--- a/SpringSlideDeck.pptx
+++ b/SpringSlideDeck.pptx
@@ -208,7 +208,7 @@
           <a:p>
             <a:fld id="{C6611962-81CE-4AA7-8264-984BD85B0C67}" type="datetimeFigureOut">
               <a:rPr lang="en-US" smtClean="0"/>
-              <a:t>2/19/2024</a:t>
+              <a:t>3/23/2024</a:t>
             </a:fld>
             <a:endParaRPr lang="en-US"/>
           </a:p>
@@ -806,6 +806,12 @@
           <a:p>
             <a:r>
               <a:rPr lang="en-US" dirty="0"/>
+              <a:t>-Buttons swallowing slide input as presses</a:t>
+            </a:r>
+          </a:p>
+          <a:p>
+            <a:r>
+              <a:rPr lang="en-US" dirty="0"/>
               <a:t>-Made a modification on prefix sort, where the final character of the saved word would be dropped in the filter step</a:t>
             </a:r>
           </a:p>
@@ -994,7 +1000,7 @@
           <a:p>
             <a:fld id="{D5D13250-15FC-4A8E-969C-CCAEF0623622}" type="datetimeFigureOut">
               <a:rPr lang="en-US" smtClean="0"/>
-              <a:t>2/19/2024</a:t>
+              <a:t>3/23/2024</a:t>
             </a:fld>
             <a:endParaRPr lang="en-US"/>
           </a:p>
@@ -1192,7 +1198,7 @@
           <a:p>
             <a:fld id="{D5D13250-15FC-4A8E-969C-CCAEF0623622}" type="datetimeFigureOut">
               <a:rPr lang="en-US" smtClean="0"/>
-              <a:t>2/19/2024</a:t>
+              <a:t>3/23/2024</a:t>
             </a:fld>
             <a:endParaRPr lang="en-US"/>
           </a:p>
@@ -1400,7 +1406,7 @@
           <a:p>
             <a:fld id="{D5D13250-15FC-4A8E-969C-CCAEF0623622}" type="datetimeFigureOut">
               <a:rPr lang="en-US" smtClean="0"/>
-              <a:t>2/19/2024</a:t>
+              <a:t>3/23/2024</a:t>
             </a:fld>
             <a:endParaRPr lang="en-US"/>
           </a:p>
@@ -1598,7 +1604,7 @@
           <a:p>
             <a:fld id="{D5D13250-15FC-4A8E-969C-CCAEF0623622}" type="datetimeFigureOut">
               <a:rPr lang="en-US" smtClean="0"/>
-              <a:t>2/19/2024</a:t>
+              <a:t>3/23/2024</a:t>
             </a:fld>
             <a:endParaRPr lang="en-US"/>
           </a:p>
@@ -1873,7 +1879,7 @@
           <a:p>
             <a:fld id="{D5D13250-15FC-4A8E-969C-CCAEF0623622}" type="datetimeFigureOut">
               <a:rPr lang="en-US" smtClean="0"/>
-              <a:t>2/19/2024</a:t>
+              <a:t>3/23/2024</a:t>
             </a:fld>
             <a:endParaRPr lang="en-US"/>
           </a:p>
@@ -2138,7 +2144,7 @@
           <a:p>
             <a:fld id="{D5D13250-15FC-4A8E-969C-CCAEF0623622}" type="datetimeFigureOut">
               <a:rPr lang="en-US" smtClean="0"/>
-              <a:t>2/19/2024</a:t>
+              <a:t>3/23/2024</a:t>
             </a:fld>
             <a:endParaRPr lang="en-US"/>
           </a:p>
@@ -2550,7 +2556,7 @@
           <a:p>
             <a:fld id="{D5D13250-15FC-4A8E-969C-CCAEF0623622}" type="datetimeFigureOut">
               <a:rPr lang="en-US" smtClean="0"/>
-              <a:t>2/19/2024</a:t>
+              <a:t>3/23/2024</a:t>
             </a:fld>
             <a:endParaRPr lang="en-US"/>
           </a:p>
@@ -2691,7 +2697,7 @@
           <a:p>
             <a:fld id="{D5D13250-15FC-4A8E-969C-CCAEF0623622}" type="datetimeFigureOut">
               <a:rPr lang="en-US" smtClean="0"/>
-              <a:t>2/19/2024</a:t>
+              <a:t>3/23/2024</a:t>
             </a:fld>
             <a:endParaRPr lang="en-US"/>
           </a:p>
@@ -2804,7 +2810,7 @@
           <a:p>
             <a:fld id="{D5D13250-15FC-4A8E-969C-CCAEF0623622}" type="datetimeFigureOut">
               <a:rPr lang="en-US" smtClean="0"/>
-              <a:t>2/19/2024</a:t>
+              <a:t>3/23/2024</a:t>
             </a:fld>
             <a:endParaRPr lang="en-US"/>
           </a:p>
@@ -3115,7 +3121,7 @@
           <a:p>
             <a:fld id="{D5D13250-15FC-4A8E-969C-CCAEF0623622}" type="datetimeFigureOut">
               <a:rPr lang="en-US" smtClean="0"/>
-              <a:t>2/19/2024</a:t>
+              <a:t>3/23/2024</a:t>
             </a:fld>
             <a:endParaRPr lang="en-US"/>
           </a:p>
@@ -3403,7 +3409,7 @@
           <a:p>
             <a:fld id="{D5D13250-15FC-4A8E-969C-CCAEF0623622}" type="datetimeFigureOut">
               <a:rPr lang="en-US" smtClean="0"/>
-              <a:t>2/19/2024</a:t>
+              <a:t>3/23/2024</a:t>
             </a:fld>
             <a:endParaRPr lang="en-US"/>
           </a:p>
@@ -3644,7 +3650,7 @@
           <a:p>
             <a:fld id="{D5D13250-15FC-4A8E-969C-CCAEF0623622}" type="datetimeFigureOut">
               <a:rPr lang="en-US" smtClean="0"/>
-              <a:t>2/19/2024</a:t>
+              <a:t>3/23/2024</a:t>
             </a:fld>
             <a:endParaRPr lang="en-US"/>
           </a:p>
@@ -4434,7 +4440,24 @@
           <a:p>
             <a:r>
               <a:rPr lang="en-US" dirty="0"/>
-              <a:t>Project development is on schedule with the milestones timeline</a:t>
+              <a:t>All features that were planned on the Milestones timeline are implemented</a:t>
+            </a:r>
+          </a:p>
+          <a:p>
+            <a:endParaRPr lang="en-US" dirty="0"/>
+          </a:p>
+          <a:p>
+            <a:r>
+              <a:rPr lang="en-US" dirty="0"/>
+              <a:t>Polish/bugfixing may continue up until the Expo, by which point the source code and </a:t>
+            </a:r>
+            <a:r>
+              <a:rPr lang="en-US" dirty="0" err="1"/>
+              <a:t>apk</a:t>
+            </a:r>
+            <a:r>
+              <a:rPr lang="en-US" dirty="0"/>
+              <a:t> will be uploaded to the project repo</a:t>
             </a:r>
           </a:p>
           <a:p>
@@ -4523,20 +4546,37 @@
           <a:p>
             <a:r>
               <a:rPr lang="en-US" dirty="0"/>
+              <a:t>Design Challenge</a:t>
+            </a:r>
+          </a:p>
+          <a:p>
+            <a:pPr lvl="1"/>
+            <a:r>
+              <a:rPr lang="en-US" dirty="0"/>
+              <a:t>An app needs to provide enough value that it is worth using over other apps</a:t>
+            </a:r>
+          </a:p>
+          <a:p>
+            <a:pPr marL="0" indent="0">
+              <a:buNone/>
+            </a:pPr>
+            <a:endParaRPr lang="en-US" dirty="0"/>
+          </a:p>
+          <a:p>
+            <a:r>
+              <a:rPr lang="en-US" dirty="0"/>
+              <a:t>Technical Challenges</a:t>
+            </a:r>
+          </a:p>
+          <a:p>
+            <a:pPr lvl="1"/>
+            <a:r>
+              <a:rPr lang="en-US" dirty="0"/>
               <a:t>Handling many objects (word or group previews) in a scroll list</a:t>
             </a:r>
           </a:p>
           <a:p>
             <a:pPr lvl="1"/>
-            <a:r>
-              <a:rPr lang="en-US" dirty="0"/>
-              <a:t>Built a custom scroll list in place of using the built-in scroll node</a:t>
-            </a:r>
-          </a:p>
-          <a:p>
-            <a:endParaRPr lang="en-US" dirty="0"/>
-          </a:p>
-          <a:p>
             <a:r>
               <a:rPr lang="en-US" dirty="0"/>
               <a:t>Handling conjugations in the search input</a:t>
@@ -4647,7 +4687,10 @@
             <a:endParaRPr lang="en-US" dirty="0"/>
           </a:p>
           <a:p>
-            <a:endParaRPr lang="en-US" dirty="0"/>
+            <a:r>
+              <a:rPr lang="en-US" dirty="0"/>
+              <a:t>A Dictionary-like app that can be used to create study-lists</a:t>
+            </a:r>
           </a:p>
         </p:txBody>
       </p:sp>
@@ -4743,6 +4786,9 @@
             </a:r>
           </a:p>
           <a:p>
+            <a:endParaRPr lang="en-US" dirty="0"/>
+          </a:p>
+          <a:p>
             <a:r>
               <a:rPr lang="en-US" dirty="0"/>
               <a:t>Designing for usability </a:t>
@@ -4837,24 +4883,24 @@
           <a:lstStyle/>
           <a:p>
             <a:r>
-              <a:rPr lang="en-US"/>
-              <a:t>First and foremost, for myself</a:t>
-            </a:r>
-          </a:p>
-          <a:p>
-            <a:endParaRPr lang="en-US"/>
-          </a:p>
-          <a:p>
-            <a:r>
-              <a:rPr lang="en-US"/>
+              <a:rPr lang="en-US" dirty="0"/>
+              <a:t>First and foremost, for my own use</a:t>
+            </a:r>
+          </a:p>
+          <a:p>
+            <a:endParaRPr lang="en-US" dirty="0"/>
+          </a:p>
+          <a:p>
+            <a:r>
+              <a:rPr lang="en-US" dirty="0"/>
               <a:t>Could also be shared with other Japanese language students to augment their studies</a:t>
             </a:r>
           </a:p>
           <a:p>
-            <a:endParaRPr lang="en-US"/>
-          </a:p>
-          <a:p>
-            <a:endParaRPr lang="en-US"/>
+            <a:endParaRPr lang="en-US" dirty="0"/>
+          </a:p>
+          <a:p>
+            <a:endParaRPr lang="en-US" dirty="0"/>
           </a:p>
         </p:txBody>
       </p:sp>
@@ -5428,18 +5474,18 @@
             <a:lstStyle/>
             <a:p>
               <a:r>
-                <a:rPr lang="en-US" sz="1200" i="1"/>
+                <a:rPr lang="en-US" sz="1200" i="1" dirty="0"/>
                 <a:t>Kanji</a:t>
               </a:r>
               <a:r>
-                <a:rPr lang="ja-JP" altLang="en-US" sz="1200" i="1"/>
+                <a:rPr lang="ja-JP" altLang="en-US" sz="1200" i="1" dirty="0"/>
                 <a:t> </a:t>
               </a:r>
               <a:r>
-                <a:rPr lang="en-US" altLang="ja-JP" sz="1200" i="1"/>
+                <a:rPr lang="en-US" altLang="ja-JP" sz="1200" i="1" dirty="0"/>
                 <a:t>Form Input</a:t>
               </a:r>
-              <a:endParaRPr lang="en-US" sz="1200" i="1"/>
+              <a:endParaRPr lang="en-US" sz="1200" i="1" dirty="0"/>
             </a:p>
           </p:txBody>
         </p:sp>
@@ -7572,7 +7618,1019 @@
       </p:sp>
       <p:sp>
         <p:nvSpPr>
-          <p:cNvPr id="21" name="Rectangle 20">
+          <p:cNvPr id="3" name="Rectangle 2">
+            <a:extLst>
+              <a:ext uri="{FF2B5EF4-FFF2-40B4-BE49-F238E27FC236}">
+                <a16:creationId xmlns:a16="http://schemas.microsoft.com/office/drawing/2014/main" id="{B1346D84-A818-0689-B3EE-348F57911C09}"/>
+              </a:ext>
+            </a:extLst>
+          </p:cNvPr>
+          <p:cNvSpPr/>
+          <p:nvPr/>
+        </p:nvSpPr>
+        <p:spPr>
+          <a:xfrm>
+            <a:off x="1305458" y="3790788"/>
+            <a:ext cx="2315306" cy="219299"/>
+          </a:xfrm>
+          <a:prstGeom prst="rect">
+            <a:avLst/>
+          </a:prstGeom>
+        </p:spPr>
+        <p:style>
+          <a:lnRef idx="2">
+            <a:schemeClr val="accent6"/>
+          </a:lnRef>
+          <a:fillRef idx="1">
+            <a:schemeClr val="lt1"/>
+          </a:fillRef>
+          <a:effectRef idx="0">
+            <a:schemeClr val="accent6"/>
+          </a:effectRef>
+          <a:fontRef idx="minor">
+            <a:schemeClr val="dk1"/>
+          </a:fontRef>
+        </p:style>
+        <p:txBody>
+          <a:bodyPr rtlCol="0" anchor="ctr"/>
+          <a:lstStyle/>
+          <a:p>
+            <a:r>
+              <a:rPr lang="en-US" sz="1600"/>
+              <a:t>Word Kana Form</a:t>
+            </a:r>
+          </a:p>
+        </p:txBody>
+      </p:sp>
+      <p:sp>
+        <p:nvSpPr>
+          <p:cNvPr id="7" name="Rectangle 6">
+            <a:extLst>
+              <a:ext uri="{FF2B5EF4-FFF2-40B4-BE49-F238E27FC236}">
+                <a16:creationId xmlns:a16="http://schemas.microsoft.com/office/drawing/2014/main" id="{40B8F486-30E1-7286-D490-F5BCF48FA66A}"/>
+              </a:ext>
+            </a:extLst>
+          </p:cNvPr>
+          <p:cNvSpPr/>
+          <p:nvPr/>
+        </p:nvSpPr>
+        <p:spPr>
+          <a:xfrm>
+            <a:off x="1298559" y="4219401"/>
+            <a:ext cx="2315306" cy="219299"/>
+          </a:xfrm>
+          <a:prstGeom prst="rect">
+            <a:avLst/>
+          </a:prstGeom>
+        </p:spPr>
+        <p:style>
+          <a:lnRef idx="2">
+            <a:schemeClr val="accent6"/>
+          </a:lnRef>
+          <a:fillRef idx="1">
+            <a:schemeClr val="lt1"/>
+          </a:fillRef>
+          <a:effectRef idx="0">
+            <a:schemeClr val="accent6"/>
+          </a:effectRef>
+          <a:fontRef idx="minor">
+            <a:schemeClr val="dk1"/>
+          </a:fontRef>
+        </p:style>
+        <p:txBody>
+          <a:bodyPr rtlCol="0" anchor="ctr"/>
+          <a:lstStyle/>
+          <a:p>
+            <a:r>
+              <a:rPr lang="en-US" sz="1600"/>
+              <a:t>Word Kanji Form</a:t>
+            </a:r>
+          </a:p>
+        </p:txBody>
+      </p:sp>
+      <p:sp>
+        <p:nvSpPr>
+          <p:cNvPr id="8" name="Rectangle 7">
+            <a:extLst>
+              <a:ext uri="{FF2B5EF4-FFF2-40B4-BE49-F238E27FC236}">
+                <a16:creationId xmlns:a16="http://schemas.microsoft.com/office/drawing/2014/main" id="{3C8CC597-08E3-5D35-11A4-09284F0F8454}"/>
+              </a:ext>
+            </a:extLst>
+          </p:cNvPr>
+          <p:cNvSpPr/>
+          <p:nvPr/>
+        </p:nvSpPr>
+        <p:spPr>
+          <a:xfrm>
+            <a:off x="1298559" y="4432992"/>
+            <a:ext cx="2315306" cy="219299"/>
+          </a:xfrm>
+          <a:prstGeom prst="rect">
+            <a:avLst/>
+          </a:prstGeom>
+        </p:spPr>
+        <p:style>
+          <a:lnRef idx="2">
+            <a:schemeClr val="accent6"/>
+          </a:lnRef>
+          <a:fillRef idx="1">
+            <a:schemeClr val="lt1"/>
+          </a:fillRef>
+          <a:effectRef idx="0">
+            <a:schemeClr val="accent6"/>
+          </a:effectRef>
+          <a:fontRef idx="minor">
+            <a:schemeClr val="dk1"/>
+          </a:fontRef>
+        </p:style>
+        <p:txBody>
+          <a:bodyPr rtlCol="0" anchor="ctr"/>
+          <a:lstStyle/>
+          <a:p>
+            <a:r>
+              <a:rPr lang="en-US" sz="1600"/>
+              <a:t>Word Kana Form</a:t>
+            </a:r>
+          </a:p>
+        </p:txBody>
+      </p:sp>
+      <p:sp>
+        <p:nvSpPr>
+          <p:cNvPr id="15" name="Rectangle 14">
+            <a:extLst>
+              <a:ext uri="{FF2B5EF4-FFF2-40B4-BE49-F238E27FC236}">
+                <a16:creationId xmlns:a16="http://schemas.microsoft.com/office/drawing/2014/main" id="{CE7049CA-7BFF-F9A9-2322-7AB531E9F622}"/>
+              </a:ext>
+            </a:extLst>
+          </p:cNvPr>
+          <p:cNvSpPr/>
+          <p:nvPr/>
+        </p:nvSpPr>
+        <p:spPr>
+          <a:xfrm>
+            <a:off x="1298559" y="4875315"/>
+            <a:ext cx="2315306" cy="219299"/>
+          </a:xfrm>
+          <a:prstGeom prst="rect">
+            <a:avLst/>
+          </a:prstGeom>
+        </p:spPr>
+        <p:style>
+          <a:lnRef idx="2">
+            <a:schemeClr val="accent6"/>
+          </a:lnRef>
+          <a:fillRef idx="1">
+            <a:schemeClr val="lt1"/>
+          </a:fillRef>
+          <a:effectRef idx="0">
+            <a:schemeClr val="accent6"/>
+          </a:effectRef>
+          <a:fontRef idx="minor">
+            <a:schemeClr val="dk1"/>
+          </a:fontRef>
+        </p:style>
+        <p:txBody>
+          <a:bodyPr rtlCol="0" anchor="ctr"/>
+          <a:lstStyle/>
+          <a:p>
+            <a:r>
+              <a:rPr lang="en-US" sz="1600"/>
+              <a:t>Word Kanji Form</a:t>
+            </a:r>
+          </a:p>
+        </p:txBody>
+      </p:sp>
+      <p:sp>
+        <p:nvSpPr>
+          <p:cNvPr id="16" name="Rectangle 15">
+            <a:extLst>
+              <a:ext uri="{FF2B5EF4-FFF2-40B4-BE49-F238E27FC236}">
+                <a16:creationId xmlns:a16="http://schemas.microsoft.com/office/drawing/2014/main" id="{03F48BB1-B989-D654-A497-977261811353}"/>
+              </a:ext>
+            </a:extLst>
+          </p:cNvPr>
+          <p:cNvSpPr/>
+          <p:nvPr/>
+        </p:nvSpPr>
+        <p:spPr>
+          <a:xfrm>
+            <a:off x="1298559" y="5088906"/>
+            <a:ext cx="2315306" cy="219299"/>
+          </a:xfrm>
+          <a:prstGeom prst="rect">
+            <a:avLst/>
+          </a:prstGeom>
+        </p:spPr>
+        <p:style>
+          <a:lnRef idx="2">
+            <a:schemeClr val="accent6"/>
+          </a:lnRef>
+          <a:fillRef idx="1">
+            <a:schemeClr val="lt1"/>
+          </a:fillRef>
+          <a:effectRef idx="0">
+            <a:schemeClr val="accent6"/>
+          </a:effectRef>
+          <a:fontRef idx="minor">
+            <a:schemeClr val="dk1"/>
+          </a:fontRef>
+        </p:style>
+        <p:txBody>
+          <a:bodyPr rtlCol="0" anchor="ctr"/>
+          <a:lstStyle/>
+          <a:p>
+            <a:r>
+              <a:rPr lang="en-US" sz="1600"/>
+              <a:t>Word Kana Form</a:t>
+            </a:r>
+          </a:p>
+        </p:txBody>
+      </p:sp>
+      <p:sp>
+        <p:nvSpPr>
+          <p:cNvPr id="38" name="Rectangle 37">
+            <a:extLst>
+              <a:ext uri="{FF2B5EF4-FFF2-40B4-BE49-F238E27FC236}">
+                <a16:creationId xmlns:a16="http://schemas.microsoft.com/office/drawing/2014/main" id="{9B65D5A1-F3C0-9911-97A7-32B839EFAB65}"/>
+              </a:ext>
+            </a:extLst>
+          </p:cNvPr>
+          <p:cNvSpPr/>
+          <p:nvPr/>
+        </p:nvSpPr>
+        <p:spPr>
+          <a:xfrm>
+            <a:off x="8045550" y="2319218"/>
+            <a:ext cx="2790092" cy="3634154"/>
+          </a:xfrm>
+          <a:prstGeom prst="rect">
+            <a:avLst/>
+          </a:prstGeom>
+        </p:spPr>
+        <p:style>
+          <a:lnRef idx="2">
+            <a:schemeClr val="accent6"/>
+          </a:lnRef>
+          <a:fillRef idx="1">
+            <a:schemeClr val="lt1"/>
+          </a:fillRef>
+          <a:effectRef idx="0">
+            <a:schemeClr val="accent6"/>
+          </a:effectRef>
+          <a:fontRef idx="minor">
+            <a:schemeClr val="dk1"/>
+          </a:fontRef>
+        </p:style>
+        <p:txBody>
+          <a:bodyPr rtlCol="0" anchor="ctr"/>
+          <a:lstStyle/>
+          <a:p>
+            <a:pPr algn="ctr"/>
+            <a:endParaRPr lang="en-US"/>
+          </a:p>
+        </p:txBody>
+      </p:sp>
+      <p:sp>
+        <p:nvSpPr>
+          <p:cNvPr id="39" name="Rectangle 38">
+            <a:extLst>
+              <a:ext uri="{FF2B5EF4-FFF2-40B4-BE49-F238E27FC236}">
+                <a16:creationId xmlns:a16="http://schemas.microsoft.com/office/drawing/2014/main" id="{0186EF85-E0CA-DD21-4062-B5C4B117BD8C}"/>
+              </a:ext>
+            </a:extLst>
+          </p:cNvPr>
+          <p:cNvSpPr/>
+          <p:nvPr/>
+        </p:nvSpPr>
+        <p:spPr>
+          <a:xfrm>
+            <a:off x="8157503" y="2664531"/>
+            <a:ext cx="1067352" cy="237329"/>
+          </a:xfrm>
+          <a:prstGeom prst="rect">
+            <a:avLst/>
+          </a:prstGeom>
+          <a:ln>
+            <a:prstDash val="solid"/>
+          </a:ln>
+        </p:spPr>
+        <p:style>
+          <a:lnRef idx="2">
+            <a:schemeClr val="accent6"/>
+          </a:lnRef>
+          <a:fillRef idx="1">
+            <a:schemeClr val="lt1"/>
+          </a:fillRef>
+          <a:effectRef idx="0">
+            <a:schemeClr val="accent6"/>
+          </a:effectRef>
+          <a:fontRef idx="minor">
+            <a:schemeClr val="dk1"/>
+          </a:fontRef>
+        </p:style>
+        <p:txBody>
+          <a:bodyPr rtlCol="0" anchor="ctr"/>
+          <a:lstStyle/>
+          <a:p>
+            <a:pPr algn="ctr"/>
+            <a:r>
+              <a:rPr lang="en-US" altLang="ja-JP" sz="1200" dirty="0"/>
+              <a:t>Kanji</a:t>
+            </a:r>
+            <a:r>
+              <a:rPr lang="ja-JP" altLang="en-US" sz="1200" dirty="0"/>
+              <a:t> </a:t>
+            </a:r>
+            <a:r>
+              <a:rPr lang="en-US" altLang="ja-JP" sz="1200" dirty="0"/>
+              <a:t>Form</a:t>
+            </a:r>
+            <a:endParaRPr lang="en-US" sz="1200" dirty="0"/>
+          </a:p>
+        </p:txBody>
+      </p:sp>
+      <p:sp>
+        <p:nvSpPr>
+          <p:cNvPr id="41" name="Rectangle 40">
+            <a:extLst>
+              <a:ext uri="{FF2B5EF4-FFF2-40B4-BE49-F238E27FC236}">
+                <a16:creationId xmlns:a16="http://schemas.microsoft.com/office/drawing/2014/main" id="{12779847-4B91-657E-6FE2-7DAECD82A546}"/>
+              </a:ext>
+            </a:extLst>
+          </p:cNvPr>
+          <p:cNvSpPr/>
+          <p:nvPr/>
+        </p:nvSpPr>
+        <p:spPr>
+          <a:xfrm>
+            <a:off x="8157503" y="2967657"/>
+            <a:ext cx="1067352" cy="237329"/>
+          </a:xfrm>
+          <a:prstGeom prst="rect">
+            <a:avLst/>
+          </a:prstGeom>
+          <a:ln>
+            <a:prstDash val="solid"/>
+          </a:ln>
+        </p:spPr>
+        <p:style>
+          <a:lnRef idx="2">
+            <a:schemeClr val="accent6"/>
+          </a:lnRef>
+          <a:fillRef idx="1">
+            <a:schemeClr val="lt1"/>
+          </a:fillRef>
+          <a:effectRef idx="0">
+            <a:schemeClr val="accent6"/>
+          </a:effectRef>
+          <a:fontRef idx="minor">
+            <a:schemeClr val="dk1"/>
+          </a:fontRef>
+        </p:style>
+        <p:txBody>
+          <a:bodyPr rtlCol="0" anchor="ctr"/>
+          <a:lstStyle/>
+          <a:p>
+            <a:pPr algn="ctr"/>
+            <a:r>
+              <a:rPr lang="en-US" altLang="ja-JP" sz="1200" dirty="0"/>
+              <a:t>Kana</a:t>
+            </a:r>
+            <a:r>
+              <a:rPr lang="ja-JP" altLang="en-US" sz="1200" dirty="0"/>
+              <a:t> </a:t>
+            </a:r>
+            <a:r>
+              <a:rPr lang="en-US" altLang="ja-JP" sz="1200" dirty="0"/>
+              <a:t>Form</a:t>
+            </a:r>
+            <a:endParaRPr lang="en-US" sz="1200" dirty="0"/>
+          </a:p>
+        </p:txBody>
+      </p:sp>
+      <p:sp>
+        <p:nvSpPr>
+          <p:cNvPr id="43" name="Rectangle 42">
+            <a:extLst>
+              <a:ext uri="{FF2B5EF4-FFF2-40B4-BE49-F238E27FC236}">
+                <a16:creationId xmlns:a16="http://schemas.microsoft.com/office/drawing/2014/main" id="{793B9766-3027-AC4A-A4B5-D797FA1546FB}"/>
+              </a:ext>
+            </a:extLst>
+          </p:cNvPr>
+          <p:cNvSpPr/>
+          <p:nvPr/>
+        </p:nvSpPr>
+        <p:spPr>
+          <a:xfrm>
+            <a:off x="8160151" y="3290610"/>
+            <a:ext cx="1633014" cy="237328"/>
+          </a:xfrm>
+          <a:prstGeom prst="rect">
+            <a:avLst/>
+          </a:prstGeom>
+          <a:ln>
+            <a:prstDash val="dash"/>
+          </a:ln>
+        </p:spPr>
+        <p:style>
+          <a:lnRef idx="2">
+            <a:schemeClr val="accent6"/>
+          </a:lnRef>
+          <a:fillRef idx="1">
+            <a:schemeClr val="lt1"/>
+          </a:fillRef>
+          <a:effectRef idx="0">
+            <a:schemeClr val="accent6"/>
+          </a:effectRef>
+          <a:fontRef idx="minor">
+            <a:schemeClr val="dk1"/>
+          </a:fontRef>
+        </p:style>
+        <p:txBody>
+          <a:bodyPr rtlCol="0" anchor="ctr"/>
+          <a:lstStyle/>
+          <a:p>
+            <a:pPr algn="ctr"/>
+            <a:r>
+              <a:rPr lang="en-US" altLang="ja-JP" sz="1200"/>
+              <a:t>Definitions</a:t>
+            </a:r>
+            <a:r>
+              <a:rPr lang="ja-JP" altLang="en-US" sz="1200"/>
+              <a:t> </a:t>
+            </a:r>
+            <a:r>
+              <a:rPr lang="en-US" altLang="ja-JP" sz="1200"/>
+              <a:t>label</a:t>
+            </a:r>
+            <a:endParaRPr lang="en-US" sz="1200"/>
+          </a:p>
+        </p:txBody>
+      </p:sp>
+      <p:sp>
+        <p:nvSpPr>
+          <p:cNvPr id="45" name="Rectangle 44">
+            <a:extLst>
+              <a:ext uri="{FF2B5EF4-FFF2-40B4-BE49-F238E27FC236}">
+                <a16:creationId xmlns:a16="http://schemas.microsoft.com/office/drawing/2014/main" id="{9C75A735-3C09-8C6E-3731-29BCE1635C07}"/>
+              </a:ext>
+            </a:extLst>
+          </p:cNvPr>
+          <p:cNvSpPr/>
+          <p:nvPr/>
+        </p:nvSpPr>
+        <p:spPr>
+          <a:xfrm>
+            <a:off x="9715934" y="2344678"/>
+            <a:ext cx="1097853" cy="267918"/>
+          </a:xfrm>
+          <a:prstGeom prst="rect">
+            <a:avLst/>
+          </a:prstGeom>
+        </p:spPr>
+        <p:style>
+          <a:lnRef idx="2">
+            <a:schemeClr val="accent6"/>
+          </a:lnRef>
+          <a:fillRef idx="1">
+            <a:schemeClr val="lt1"/>
+          </a:fillRef>
+          <a:effectRef idx="0">
+            <a:schemeClr val="accent6"/>
+          </a:effectRef>
+          <a:fontRef idx="minor">
+            <a:schemeClr val="dk1"/>
+          </a:fontRef>
+        </p:style>
+        <p:txBody>
+          <a:bodyPr rtlCol="0" anchor="ctr"/>
+          <a:lstStyle/>
+          <a:p>
+            <a:pPr algn="ctr"/>
+            <a:r>
+              <a:rPr lang="en-US" altLang="ja-JP" sz="1000" dirty="0"/>
+              <a:t>Edit-Word Button</a:t>
+            </a:r>
+            <a:endParaRPr lang="en-US" sz="1000" dirty="0"/>
+          </a:p>
+        </p:txBody>
+      </p:sp>
+      <p:sp>
+        <p:nvSpPr>
+          <p:cNvPr id="50" name="Rectangle 49">
+            <a:extLst>
+              <a:ext uri="{FF2B5EF4-FFF2-40B4-BE49-F238E27FC236}">
+                <a16:creationId xmlns:a16="http://schemas.microsoft.com/office/drawing/2014/main" id="{66420F45-B592-31C9-DF60-2A88D0B56EE1}"/>
+              </a:ext>
+            </a:extLst>
+          </p:cNvPr>
+          <p:cNvSpPr/>
+          <p:nvPr/>
+        </p:nvSpPr>
+        <p:spPr>
+          <a:xfrm>
+            <a:off x="8128741" y="4529726"/>
+            <a:ext cx="1664424" cy="252021"/>
+          </a:xfrm>
+          <a:prstGeom prst="rect">
+            <a:avLst/>
+          </a:prstGeom>
+          <a:ln>
+            <a:prstDash val="dash"/>
+          </a:ln>
+        </p:spPr>
+        <p:style>
+          <a:lnRef idx="2">
+            <a:schemeClr val="accent6"/>
+          </a:lnRef>
+          <a:fillRef idx="1">
+            <a:schemeClr val="lt1"/>
+          </a:fillRef>
+          <a:effectRef idx="0">
+            <a:schemeClr val="accent6"/>
+          </a:effectRef>
+          <a:fontRef idx="minor">
+            <a:schemeClr val="dk1"/>
+          </a:fontRef>
+        </p:style>
+        <p:txBody>
+          <a:bodyPr rtlCol="0" anchor="ctr"/>
+          <a:lstStyle/>
+          <a:p>
+            <a:pPr algn="ctr"/>
+            <a:r>
+              <a:rPr lang="en-US" altLang="ja-JP" sz="1200" dirty="0"/>
+              <a:t>Groups</a:t>
+            </a:r>
+            <a:r>
+              <a:rPr lang="ja-JP" altLang="en-US" sz="1200" dirty="0"/>
+              <a:t> </a:t>
+            </a:r>
+            <a:r>
+              <a:rPr lang="en-US" altLang="ja-JP" sz="1200" dirty="0"/>
+              <a:t>label</a:t>
+            </a:r>
+            <a:endParaRPr lang="en-US" sz="1200" dirty="0"/>
+          </a:p>
+        </p:txBody>
+      </p:sp>
+      <p:sp>
+        <p:nvSpPr>
+          <p:cNvPr id="55" name="TextBox 54">
+            <a:extLst>
+              <a:ext uri="{FF2B5EF4-FFF2-40B4-BE49-F238E27FC236}">
+                <a16:creationId xmlns:a16="http://schemas.microsoft.com/office/drawing/2014/main" id="{71D5FB07-6E61-C4DE-FB8C-0577A997E7EC}"/>
+              </a:ext>
+            </a:extLst>
+          </p:cNvPr>
+          <p:cNvSpPr txBox="1"/>
+          <p:nvPr/>
+        </p:nvSpPr>
+        <p:spPr>
+          <a:xfrm>
+            <a:off x="8254435" y="1951742"/>
+            <a:ext cx="2418360" cy="369332"/>
+          </a:xfrm>
+          <a:prstGeom prst="rect">
+            <a:avLst/>
+          </a:prstGeom>
+          <a:noFill/>
+        </p:spPr>
+        <p:txBody>
+          <a:bodyPr wrap="square" rtlCol="0">
+            <a:spAutoFit/>
+          </a:bodyPr>
+          <a:lstStyle/>
+          <a:p>
+            <a:pPr algn="ctr"/>
+            <a:r>
+              <a:rPr lang="en-US" dirty="0"/>
+              <a:t>Word Details Page</a:t>
+            </a:r>
+          </a:p>
+        </p:txBody>
+      </p:sp>
+      <p:sp>
+        <p:nvSpPr>
+          <p:cNvPr id="59" name="Rectangle 58">
+            <a:extLst>
+              <a:ext uri="{FF2B5EF4-FFF2-40B4-BE49-F238E27FC236}">
+                <a16:creationId xmlns:a16="http://schemas.microsoft.com/office/drawing/2014/main" id="{13AB5C05-82CF-9F37-FEC5-9A76319E658F}"/>
+              </a:ext>
+            </a:extLst>
+          </p:cNvPr>
+          <p:cNvSpPr/>
+          <p:nvPr/>
+        </p:nvSpPr>
+        <p:spPr>
+          <a:xfrm>
+            <a:off x="8124500" y="3576028"/>
+            <a:ext cx="2641038" cy="885155"/>
+          </a:xfrm>
+          <a:prstGeom prst="rect">
+            <a:avLst/>
+          </a:prstGeom>
+        </p:spPr>
+        <p:style>
+          <a:lnRef idx="2">
+            <a:schemeClr val="accent6"/>
+          </a:lnRef>
+          <a:fillRef idx="1">
+            <a:schemeClr val="lt1"/>
+          </a:fillRef>
+          <a:effectRef idx="0">
+            <a:schemeClr val="accent6"/>
+          </a:effectRef>
+          <a:fontRef idx="minor">
+            <a:schemeClr val="dk1"/>
+          </a:fontRef>
+        </p:style>
+        <p:txBody>
+          <a:bodyPr rtlCol="0" anchor="ctr"/>
+          <a:lstStyle/>
+          <a:p>
+            <a:pPr algn="ctr"/>
+            <a:endParaRPr lang="en-US" sz="1200" dirty="0"/>
+          </a:p>
+        </p:txBody>
+      </p:sp>
+      <p:sp>
+        <p:nvSpPr>
+          <p:cNvPr id="60" name="Rectangle 59">
+            <a:extLst>
+              <a:ext uri="{FF2B5EF4-FFF2-40B4-BE49-F238E27FC236}">
+                <a16:creationId xmlns:a16="http://schemas.microsoft.com/office/drawing/2014/main" id="{26EE84A5-8D73-A244-7013-8BA4FEC43361}"/>
+              </a:ext>
+            </a:extLst>
+          </p:cNvPr>
+          <p:cNvSpPr/>
+          <p:nvPr/>
+        </p:nvSpPr>
+        <p:spPr>
+          <a:xfrm>
+            <a:off x="8178640" y="3759142"/>
+            <a:ext cx="2468371" cy="253808"/>
+          </a:xfrm>
+          <a:prstGeom prst="rect">
+            <a:avLst/>
+          </a:prstGeom>
+        </p:spPr>
+        <p:style>
+          <a:lnRef idx="2">
+            <a:schemeClr val="accent6"/>
+          </a:lnRef>
+          <a:fillRef idx="1">
+            <a:schemeClr val="lt1"/>
+          </a:fillRef>
+          <a:effectRef idx="0">
+            <a:schemeClr val="accent6"/>
+          </a:effectRef>
+          <a:fontRef idx="minor">
+            <a:schemeClr val="dk1"/>
+          </a:fontRef>
+        </p:style>
+        <p:txBody>
+          <a:bodyPr rtlCol="0" anchor="ctr"/>
+          <a:lstStyle/>
+          <a:p>
+            <a:r>
+              <a:rPr lang="en-US" sz="1200" dirty="0"/>
+              <a:t>Definition Text</a:t>
+            </a:r>
+          </a:p>
+        </p:txBody>
+      </p:sp>
+      <p:sp>
+        <p:nvSpPr>
+          <p:cNvPr id="62" name="TextBox 61">
+            <a:extLst>
+              <a:ext uri="{FF2B5EF4-FFF2-40B4-BE49-F238E27FC236}">
+                <a16:creationId xmlns:a16="http://schemas.microsoft.com/office/drawing/2014/main" id="{84142EAF-E8AE-FE56-95E8-9311116B2D09}"/>
+              </a:ext>
+            </a:extLst>
+          </p:cNvPr>
+          <p:cNvSpPr txBox="1"/>
+          <p:nvPr/>
+        </p:nvSpPr>
+        <p:spPr>
+          <a:xfrm>
+            <a:off x="9199071" y="4190550"/>
+            <a:ext cx="477520" cy="276999"/>
+          </a:xfrm>
+          <a:prstGeom prst="rect">
+            <a:avLst/>
+          </a:prstGeom>
+          <a:noFill/>
+        </p:spPr>
+        <p:txBody>
+          <a:bodyPr wrap="square" rtlCol="0">
+            <a:spAutoFit/>
+          </a:bodyPr>
+          <a:lstStyle/>
+          <a:p>
+            <a:pPr algn="ctr"/>
+            <a:r>
+              <a:rPr lang="en-US" sz="1200" b="1" dirty="0"/>
+              <a:t>…</a:t>
+            </a:r>
+          </a:p>
+        </p:txBody>
+      </p:sp>
+      <p:sp>
+        <p:nvSpPr>
+          <p:cNvPr id="63" name="TextBox 62">
+            <a:extLst>
+              <a:ext uri="{FF2B5EF4-FFF2-40B4-BE49-F238E27FC236}">
+                <a16:creationId xmlns:a16="http://schemas.microsoft.com/office/drawing/2014/main" id="{88DD49E3-ABC6-F074-11C2-2E1BAB49A565}"/>
+              </a:ext>
+            </a:extLst>
+          </p:cNvPr>
+          <p:cNvSpPr txBox="1"/>
+          <p:nvPr/>
+        </p:nvSpPr>
+        <p:spPr>
+          <a:xfrm>
+            <a:off x="8773687" y="3543370"/>
+            <a:ext cx="1342663" cy="276999"/>
+          </a:xfrm>
+          <a:prstGeom prst="rect">
+            <a:avLst/>
+          </a:prstGeom>
+          <a:noFill/>
+        </p:spPr>
+        <p:txBody>
+          <a:bodyPr wrap="square" rtlCol="0">
+            <a:spAutoFit/>
+          </a:bodyPr>
+          <a:lstStyle/>
+          <a:p>
+            <a:pPr algn="ctr"/>
+            <a:r>
+              <a:rPr lang="en-US" altLang="ja-JP" sz="1200" dirty="0"/>
+              <a:t>Definitions List</a:t>
+            </a:r>
+            <a:endParaRPr lang="en-US" sz="1200" dirty="0"/>
+          </a:p>
+        </p:txBody>
+      </p:sp>
+      <p:sp>
+        <p:nvSpPr>
+          <p:cNvPr id="64" name="Rectangle 63">
+            <a:extLst>
+              <a:ext uri="{FF2B5EF4-FFF2-40B4-BE49-F238E27FC236}">
+                <a16:creationId xmlns:a16="http://schemas.microsoft.com/office/drawing/2014/main" id="{0622A000-D083-FCB5-FDE8-E408C1B6DE1C}"/>
+              </a:ext>
+            </a:extLst>
+          </p:cNvPr>
+          <p:cNvSpPr/>
+          <p:nvPr/>
+        </p:nvSpPr>
+        <p:spPr>
+          <a:xfrm>
+            <a:off x="8178640" y="4048630"/>
+            <a:ext cx="2468371" cy="253808"/>
+          </a:xfrm>
+          <a:prstGeom prst="rect">
+            <a:avLst/>
+          </a:prstGeom>
+        </p:spPr>
+        <p:style>
+          <a:lnRef idx="2">
+            <a:schemeClr val="accent6"/>
+          </a:lnRef>
+          <a:fillRef idx="1">
+            <a:schemeClr val="lt1"/>
+          </a:fillRef>
+          <a:effectRef idx="0">
+            <a:schemeClr val="accent6"/>
+          </a:effectRef>
+          <a:fontRef idx="minor">
+            <a:schemeClr val="dk1"/>
+          </a:fontRef>
+        </p:style>
+        <p:txBody>
+          <a:bodyPr rtlCol="0" anchor="ctr"/>
+          <a:lstStyle/>
+          <a:p>
+            <a:r>
+              <a:rPr lang="en-US" sz="1200" dirty="0"/>
+              <a:t>Definition Text</a:t>
+            </a:r>
+          </a:p>
+        </p:txBody>
+      </p:sp>
+      <p:sp>
+        <p:nvSpPr>
+          <p:cNvPr id="65" name="Rectangle 64">
+            <a:extLst>
+              <a:ext uri="{FF2B5EF4-FFF2-40B4-BE49-F238E27FC236}">
+                <a16:creationId xmlns:a16="http://schemas.microsoft.com/office/drawing/2014/main" id="{692D9C7A-E522-9CA3-6F24-B9FC8EB11266}"/>
+              </a:ext>
+            </a:extLst>
+          </p:cNvPr>
+          <p:cNvSpPr/>
+          <p:nvPr/>
+        </p:nvSpPr>
+        <p:spPr>
+          <a:xfrm>
+            <a:off x="8124500" y="4907849"/>
+            <a:ext cx="2641038" cy="885155"/>
+          </a:xfrm>
+          <a:prstGeom prst="rect">
+            <a:avLst/>
+          </a:prstGeom>
+        </p:spPr>
+        <p:style>
+          <a:lnRef idx="2">
+            <a:schemeClr val="accent6"/>
+          </a:lnRef>
+          <a:fillRef idx="1">
+            <a:schemeClr val="lt1"/>
+          </a:fillRef>
+          <a:effectRef idx="0">
+            <a:schemeClr val="accent6"/>
+          </a:effectRef>
+          <a:fontRef idx="minor">
+            <a:schemeClr val="dk1"/>
+          </a:fontRef>
+        </p:style>
+        <p:txBody>
+          <a:bodyPr rtlCol="0" anchor="ctr"/>
+          <a:lstStyle/>
+          <a:p>
+            <a:pPr algn="ctr"/>
+            <a:endParaRPr lang="en-US" sz="1200" dirty="0"/>
+          </a:p>
+        </p:txBody>
+      </p:sp>
+      <p:sp>
+        <p:nvSpPr>
+          <p:cNvPr id="66" name="Rectangle 65">
+            <a:extLst>
+              <a:ext uri="{FF2B5EF4-FFF2-40B4-BE49-F238E27FC236}">
+                <a16:creationId xmlns:a16="http://schemas.microsoft.com/office/drawing/2014/main" id="{39D8904E-044F-1A59-C349-D468E7C5350A}"/>
+              </a:ext>
+            </a:extLst>
+          </p:cNvPr>
+          <p:cNvSpPr/>
+          <p:nvPr/>
+        </p:nvSpPr>
+        <p:spPr>
+          <a:xfrm>
+            <a:off x="8178640" y="5090963"/>
+            <a:ext cx="2468371" cy="253808"/>
+          </a:xfrm>
+          <a:prstGeom prst="rect">
+            <a:avLst/>
+          </a:prstGeom>
+        </p:spPr>
+        <p:style>
+          <a:lnRef idx="2">
+            <a:schemeClr val="accent6"/>
+          </a:lnRef>
+          <a:fillRef idx="1">
+            <a:schemeClr val="lt1"/>
+          </a:fillRef>
+          <a:effectRef idx="0">
+            <a:schemeClr val="accent6"/>
+          </a:effectRef>
+          <a:fontRef idx="minor">
+            <a:schemeClr val="dk1"/>
+          </a:fontRef>
+        </p:style>
+        <p:txBody>
+          <a:bodyPr rtlCol="0" anchor="ctr"/>
+          <a:lstStyle/>
+          <a:p>
+            <a:r>
+              <a:rPr lang="en-US" sz="1200" dirty="0"/>
+              <a:t>Group Name</a:t>
+            </a:r>
+          </a:p>
+        </p:txBody>
+      </p:sp>
+      <p:sp>
+        <p:nvSpPr>
+          <p:cNvPr id="67" name="TextBox 66">
+            <a:extLst>
+              <a:ext uri="{FF2B5EF4-FFF2-40B4-BE49-F238E27FC236}">
+                <a16:creationId xmlns:a16="http://schemas.microsoft.com/office/drawing/2014/main" id="{1DB09B84-9BF2-A81F-9123-C192311D9867}"/>
+              </a:ext>
+            </a:extLst>
+          </p:cNvPr>
+          <p:cNvSpPr txBox="1"/>
+          <p:nvPr/>
+        </p:nvSpPr>
+        <p:spPr>
+          <a:xfrm>
+            <a:off x="9199071" y="5522371"/>
+            <a:ext cx="477520" cy="276999"/>
+          </a:xfrm>
+          <a:prstGeom prst="rect">
+            <a:avLst/>
+          </a:prstGeom>
+          <a:noFill/>
+        </p:spPr>
+        <p:txBody>
+          <a:bodyPr wrap="square" rtlCol="0">
+            <a:spAutoFit/>
+          </a:bodyPr>
+          <a:lstStyle/>
+          <a:p>
+            <a:pPr algn="ctr"/>
+            <a:r>
+              <a:rPr lang="en-US" sz="1200" b="1" dirty="0"/>
+              <a:t>…</a:t>
+            </a:r>
+          </a:p>
+        </p:txBody>
+      </p:sp>
+      <p:sp>
+        <p:nvSpPr>
+          <p:cNvPr id="68" name="TextBox 67">
+            <a:extLst>
+              <a:ext uri="{FF2B5EF4-FFF2-40B4-BE49-F238E27FC236}">
+                <a16:creationId xmlns:a16="http://schemas.microsoft.com/office/drawing/2014/main" id="{9FE42679-D1A1-DDAD-FDE6-ACE1EC788712}"/>
+              </a:ext>
+            </a:extLst>
+          </p:cNvPr>
+          <p:cNvSpPr txBox="1"/>
+          <p:nvPr/>
+        </p:nvSpPr>
+        <p:spPr>
+          <a:xfrm>
+            <a:off x="8773687" y="4875191"/>
+            <a:ext cx="1342663" cy="276999"/>
+          </a:xfrm>
+          <a:prstGeom prst="rect">
+            <a:avLst/>
+          </a:prstGeom>
+          <a:noFill/>
+        </p:spPr>
+        <p:txBody>
+          <a:bodyPr wrap="square" rtlCol="0">
+            <a:spAutoFit/>
+          </a:bodyPr>
+          <a:lstStyle/>
+          <a:p>
+            <a:pPr algn="ctr"/>
+            <a:r>
+              <a:rPr lang="en-US" altLang="ja-JP" sz="1200" dirty="0"/>
+              <a:t>Groups List</a:t>
+            </a:r>
+            <a:endParaRPr lang="en-US" sz="1200" dirty="0"/>
+          </a:p>
+        </p:txBody>
+      </p:sp>
+      <p:sp>
+        <p:nvSpPr>
+          <p:cNvPr id="69" name="Rectangle 68">
+            <a:extLst>
+              <a:ext uri="{FF2B5EF4-FFF2-40B4-BE49-F238E27FC236}">
+                <a16:creationId xmlns:a16="http://schemas.microsoft.com/office/drawing/2014/main" id="{26C3CBE7-407F-355D-3295-C0C206AEA62A}"/>
+              </a:ext>
+            </a:extLst>
+          </p:cNvPr>
+          <p:cNvSpPr/>
+          <p:nvPr/>
+        </p:nvSpPr>
+        <p:spPr>
+          <a:xfrm>
+            <a:off x="8178640" y="5380451"/>
+            <a:ext cx="2468371" cy="253808"/>
+          </a:xfrm>
+          <a:prstGeom prst="rect">
+            <a:avLst/>
+          </a:prstGeom>
+        </p:spPr>
+        <p:style>
+          <a:lnRef idx="2">
+            <a:schemeClr val="accent6"/>
+          </a:lnRef>
+          <a:fillRef idx="1">
+            <a:schemeClr val="lt1"/>
+          </a:fillRef>
+          <a:effectRef idx="0">
+            <a:schemeClr val="accent6"/>
+          </a:effectRef>
+          <a:fontRef idx="minor">
+            <a:schemeClr val="dk1"/>
+          </a:fontRef>
+        </p:style>
+        <p:txBody>
+          <a:bodyPr rtlCol="0" anchor="ctr"/>
+          <a:lstStyle/>
+          <a:p>
+            <a:r>
+              <a:rPr lang="en-US" sz="1200" dirty="0"/>
+              <a:t>Group Name</a:t>
+            </a:r>
+          </a:p>
+        </p:txBody>
+      </p:sp>
+      <p:sp>
+        <p:nvSpPr>
+          <p:cNvPr id="10" name="Rectangle 9">
             <a:extLst>
               <a:ext uri="{FF2B5EF4-FFF2-40B4-BE49-F238E27FC236}">
                 <a16:creationId xmlns:a16="http://schemas.microsoft.com/office/drawing/2014/main" id="{C5AA61ED-C201-DF0F-966B-71B10C9734D0}"/>
@@ -7616,7 +8674,7 @@
       </p:sp>
       <p:sp>
         <p:nvSpPr>
-          <p:cNvPr id="26" name="TextBox 25">
+          <p:cNvPr id="11" name="TextBox 10">
             <a:extLst>
               <a:ext uri="{FF2B5EF4-FFF2-40B4-BE49-F238E27FC236}">
                 <a16:creationId xmlns:a16="http://schemas.microsoft.com/office/drawing/2014/main" id="{4B8A9084-1F39-FD2A-698D-5450D972FEE5}"/>
@@ -7652,237 +8710,7 @@
       </p:sp>
       <p:sp>
         <p:nvSpPr>
-          <p:cNvPr id="3" name="Rectangle 2">
-            <a:extLst>
-              <a:ext uri="{FF2B5EF4-FFF2-40B4-BE49-F238E27FC236}">
-                <a16:creationId xmlns:a16="http://schemas.microsoft.com/office/drawing/2014/main" id="{B1346D84-A818-0689-B3EE-348F57911C09}"/>
-              </a:ext>
-            </a:extLst>
-          </p:cNvPr>
-          <p:cNvSpPr/>
-          <p:nvPr/>
-        </p:nvSpPr>
-        <p:spPr>
-          <a:xfrm>
-            <a:off x="1305458" y="3790788"/>
-            <a:ext cx="2315306" cy="219299"/>
-          </a:xfrm>
-          <a:prstGeom prst="rect">
-            <a:avLst/>
-          </a:prstGeom>
-        </p:spPr>
-        <p:style>
-          <a:lnRef idx="2">
-            <a:schemeClr val="accent6"/>
-          </a:lnRef>
-          <a:fillRef idx="1">
-            <a:schemeClr val="lt1"/>
-          </a:fillRef>
-          <a:effectRef idx="0">
-            <a:schemeClr val="accent6"/>
-          </a:effectRef>
-          <a:fontRef idx="minor">
-            <a:schemeClr val="dk1"/>
-          </a:fontRef>
-        </p:style>
-        <p:txBody>
-          <a:bodyPr rtlCol="0" anchor="ctr"/>
-          <a:lstStyle/>
-          <a:p>
-            <a:r>
-              <a:rPr lang="en-US" sz="1600"/>
-              <a:t>Word Kana Form</a:t>
-            </a:r>
-          </a:p>
-        </p:txBody>
-      </p:sp>
-      <p:sp>
-        <p:nvSpPr>
-          <p:cNvPr id="7" name="Rectangle 6">
-            <a:extLst>
-              <a:ext uri="{FF2B5EF4-FFF2-40B4-BE49-F238E27FC236}">
-                <a16:creationId xmlns:a16="http://schemas.microsoft.com/office/drawing/2014/main" id="{40B8F486-30E1-7286-D490-F5BCF48FA66A}"/>
-              </a:ext>
-            </a:extLst>
-          </p:cNvPr>
-          <p:cNvSpPr/>
-          <p:nvPr/>
-        </p:nvSpPr>
-        <p:spPr>
-          <a:xfrm>
-            <a:off x="1298559" y="4219401"/>
-            <a:ext cx="2315306" cy="219299"/>
-          </a:xfrm>
-          <a:prstGeom prst="rect">
-            <a:avLst/>
-          </a:prstGeom>
-        </p:spPr>
-        <p:style>
-          <a:lnRef idx="2">
-            <a:schemeClr val="accent6"/>
-          </a:lnRef>
-          <a:fillRef idx="1">
-            <a:schemeClr val="lt1"/>
-          </a:fillRef>
-          <a:effectRef idx="0">
-            <a:schemeClr val="accent6"/>
-          </a:effectRef>
-          <a:fontRef idx="minor">
-            <a:schemeClr val="dk1"/>
-          </a:fontRef>
-        </p:style>
-        <p:txBody>
-          <a:bodyPr rtlCol="0" anchor="ctr"/>
-          <a:lstStyle/>
-          <a:p>
-            <a:r>
-              <a:rPr lang="en-US" sz="1600"/>
-              <a:t>Word Kanji Form</a:t>
-            </a:r>
-          </a:p>
-        </p:txBody>
-      </p:sp>
-      <p:sp>
-        <p:nvSpPr>
-          <p:cNvPr id="8" name="Rectangle 7">
-            <a:extLst>
-              <a:ext uri="{FF2B5EF4-FFF2-40B4-BE49-F238E27FC236}">
-                <a16:creationId xmlns:a16="http://schemas.microsoft.com/office/drawing/2014/main" id="{3C8CC597-08E3-5D35-11A4-09284F0F8454}"/>
-              </a:ext>
-            </a:extLst>
-          </p:cNvPr>
-          <p:cNvSpPr/>
-          <p:nvPr/>
-        </p:nvSpPr>
-        <p:spPr>
-          <a:xfrm>
-            <a:off x="1298559" y="4432992"/>
-            <a:ext cx="2315306" cy="219299"/>
-          </a:xfrm>
-          <a:prstGeom prst="rect">
-            <a:avLst/>
-          </a:prstGeom>
-        </p:spPr>
-        <p:style>
-          <a:lnRef idx="2">
-            <a:schemeClr val="accent6"/>
-          </a:lnRef>
-          <a:fillRef idx="1">
-            <a:schemeClr val="lt1"/>
-          </a:fillRef>
-          <a:effectRef idx="0">
-            <a:schemeClr val="accent6"/>
-          </a:effectRef>
-          <a:fontRef idx="minor">
-            <a:schemeClr val="dk1"/>
-          </a:fontRef>
-        </p:style>
-        <p:txBody>
-          <a:bodyPr rtlCol="0" anchor="ctr"/>
-          <a:lstStyle/>
-          <a:p>
-            <a:r>
-              <a:rPr lang="en-US" sz="1600"/>
-              <a:t>Word Kana Form</a:t>
-            </a:r>
-          </a:p>
-        </p:txBody>
-      </p:sp>
-      <p:sp>
-        <p:nvSpPr>
-          <p:cNvPr id="15" name="Rectangle 14">
-            <a:extLst>
-              <a:ext uri="{FF2B5EF4-FFF2-40B4-BE49-F238E27FC236}">
-                <a16:creationId xmlns:a16="http://schemas.microsoft.com/office/drawing/2014/main" id="{CE7049CA-7BFF-F9A9-2322-7AB531E9F622}"/>
-              </a:ext>
-            </a:extLst>
-          </p:cNvPr>
-          <p:cNvSpPr/>
-          <p:nvPr/>
-        </p:nvSpPr>
-        <p:spPr>
-          <a:xfrm>
-            <a:off x="1298559" y="4875315"/>
-            <a:ext cx="2315306" cy="219299"/>
-          </a:xfrm>
-          <a:prstGeom prst="rect">
-            <a:avLst/>
-          </a:prstGeom>
-        </p:spPr>
-        <p:style>
-          <a:lnRef idx="2">
-            <a:schemeClr val="accent6"/>
-          </a:lnRef>
-          <a:fillRef idx="1">
-            <a:schemeClr val="lt1"/>
-          </a:fillRef>
-          <a:effectRef idx="0">
-            <a:schemeClr val="accent6"/>
-          </a:effectRef>
-          <a:fontRef idx="minor">
-            <a:schemeClr val="dk1"/>
-          </a:fontRef>
-        </p:style>
-        <p:txBody>
-          <a:bodyPr rtlCol="0" anchor="ctr"/>
-          <a:lstStyle/>
-          <a:p>
-            <a:r>
-              <a:rPr lang="en-US" sz="1600"/>
-              <a:t>Word Kanji Form</a:t>
-            </a:r>
-          </a:p>
-        </p:txBody>
-      </p:sp>
-      <p:sp>
-        <p:nvSpPr>
-          <p:cNvPr id="16" name="Rectangle 15">
-            <a:extLst>
-              <a:ext uri="{FF2B5EF4-FFF2-40B4-BE49-F238E27FC236}">
-                <a16:creationId xmlns:a16="http://schemas.microsoft.com/office/drawing/2014/main" id="{03F48BB1-B989-D654-A497-977261811353}"/>
-              </a:ext>
-            </a:extLst>
-          </p:cNvPr>
-          <p:cNvSpPr/>
-          <p:nvPr/>
-        </p:nvSpPr>
-        <p:spPr>
-          <a:xfrm>
-            <a:off x="1298559" y="5088906"/>
-            <a:ext cx="2315306" cy="219299"/>
-          </a:xfrm>
-          <a:prstGeom prst="rect">
-            <a:avLst/>
-          </a:prstGeom>
-        </p:spPr>
-        <p:style>
-          <a:lnRef idx="2">
-            <a:schemeClr val="accent6"/>
-          </a:lnRef>
-          <a:fillRef idx="1">
-            <a:schemeClr val="lt1"/>
-          </a:fillRef>
-          <a:effectRef idx="0">
-            <a:schemeClr val="accent6"/>
-          </a:effectRef>
-          <a:fontRef idx="minor">
-            <a:schemeClr val="dk1"/>
-          </a:fontRef>
-        </p:style>
-        <p:txBody>
-          <a:bodyPr rtlCol="0" anchor="ctr"/>
-          <a:lstStyle/>
-          <a:p>
-            <a:r>
-              <a:rPr lang="en-US" sz="1600"/>
-              <a:t>Word Kana Form</a:t>
-            </a:r>
-          </a:p>
-        </p:txBody>
-      </p:sp>
-      <p:sp>
-        <p:nvSpPr>
-          <p:cNvPr id="19" name="Rectangle 18">
+          <p:cNvPr id="12" name="Rectangle 11">
             <a:extLst>
               <a:ext uri="{FF2B5EF4-FFF2-40B4-BE49-F238E27FC236}">
                 <a16:creationId xmlns:a16="http://schemas.microsoft.com/office/drawing/2014/main" id="{3F93913A-44BE-87FC-73A7-D0BF878AB7B2}"/>
@@ -7937,7 +8765,7 @@
       </p:sp>
       <p:sp>
         <p:nvSpPr>
-          <p:cNvPr id="23" name="Rectangle 22">
+          <p:cNvPr id="13" name="Rectangle 12">
             <a:extLst>
               <a:ext uri="{FF2B5EF4-FFF2-40B4-BE49-F238E27FC236}">
                 <a16:creationId xmlns:a16="http://schemas.microsoft.com/office/drawing/2014/main" id="{7FB6E230-D97E-45A9-0784-6B98DEF84F17}"/>
@@ -7984,7 +8812,7 @@
       </p:sp>
       <p:sp>
         <p:nvSpPr>
-          <p:cNvPr id="25" name="Rectangle 24">
+          <p:cNvPr id="14" name="Rectangle 13">
             <a:extLst>
               <a:ext uri="{FF2B5EF4-FFF2-40B4-BE49-F238E27FC236}">
                 <a16:creationId xmlns:a16="http://schemas.microsoft.com/office/drawing/2014/main" id="{87A4DA6E-3CAE-A8C6-2B7D-62C53A0CD1DD}"/>
@@ -8030,7 +8858,7 @@
       </p:sp>
       <p:sp>
         <p:nvSpPr>
-          <p:cNvPr id="30" name="TextBox 29">
+          <p:cNvPr id="22" name="TextBox 21">
             <a:extLst>
               <a:ext uri="{FF2B5EF4-FFF2-40B4-BE49-F238E27FC236}">
                 <a16:creationId xmlns:a16="http://schemas.microsoft.com/office/drawing/2014/main" id="{28438038-F3F2-1C13-043F-721935891CFB}"/>
@@ -8066,7 +8894,7 @@
       </p:sp>
       <p:sp>
         <p:nvSpPr>
-          <p:cNvPr id="31" name="Rectangle 30">
+          <p:cNvPr id="24" name="Rectangle 23">
             <a:extLst>
               <a:ext uri="{FF2B5EF4-FFF2-40B4-BE49-F238E27FC236}">
                 <a16:creationId xmlns:a16="http://schemas.microsoft.com/office/drawing/2014/main" id="{D872599F-AB22-0891-B3FE-25EC7B0D2AB8}"/>
@@ -8114,7 +8942,7 @@
       </p:sp>
       <p:sp>
         <p:nvSpPr>
-          <p:cNvPr id="32" name="TextBox 31">
+          <p:cNvPr id="27" name="TextBox 26">
             <a:extLst>
               <a:ext uri="{FF2B5EF4-FFF2-40B4-BE49-F238E27FC236}">
                 <a16:creationId xmlns:a16="http://schemas.microsoft.com/office/drawing/2014/main" id="{22FE230B-4AEE-A54F-9AD8-A1AAF9B26DFE}"/>
@@ -8150,7 +8978,7 @@
       </p:sp>
       <p:sp>
         <p:nvSpPr>
-          <p:cNvPr id="33" name="Rectangle 32">
+          <p:cNvPr id="28" name="Rectangle 27">
             <a:extLst>
               <a:ext uri="{FF2B5EF4-FFF2-40B4-BE49-F238E27FC236}">
                 <a16:creationId xmlns:a16="http://schemas.microsoft.com/office/drawing/2014/main" id="{959C5A9A-33FD-BDAC-C922-7FE8D9B29F8C}"/>
@@ -8196,7 +9024,7 @@
       </p:sp>
       <p:sp>
         <p:nvSpPr>
-          <p:cNvPr id="34" name="Rectangle 33">
+          <p:cNvPr id="29" name="Rectangle 28">
             <a:extLst>
               <a:ext uri="{FF2B5EF4-FFF2-40B4-BE49-F238E27FC236}">
                 <a16:creationId xmlns:a16="http://schemas.microsoft.com/office/drawing/2014/main" id="{C911636E-004D-4B66-B828-124D99855CC1}"/>
@@ -8242,7 +9070,7 @@
       </p:sp>
       <p:sp>
         <p:nvSpPr>
-          <p:cNvPr id="35" name="Rectangle 34">
+          <p:cNvPr id="40" name="Rectangle 39">
             <a:extLst>
               <a:ext uri="{FF2B5EF4-FFF2-40B4-BE49-F238E27FC236}">
                 <a16:creationId xmlns:a16="http://schemas.microsoft.com/office/drawing/2014/main" id="{31C9C0D9-FE63-D10F-A704-F1377EC64F95}"/>
@@ -8288,7 +9116,7 @@
       </p:sp>
       <p:sp>
         <p:nvSpPr>
-          <p:cNvPr id="36" name="Rectangle 35">
+          <p:cNvPr id="42" name="Rectangle 41">
             <a:extLst>
               <a:ext uri="{FF2B5EF4-FFF2-40B4-BE49-F238E27FC236}">
                 <a16:creationId xmlns:a16="http://schemas.microsoft.com/office/drawing/2014/main" id="{E7DDDC7D-656A-C171-C82A-712628937CAD}"/>
@@ -8334,7 +9162,7 @@
       </p:sp>
       <p:sp>
         <p:nvSpPr>
-          <p:cNvPr id="37" name="Rectangle 36">
+          <p:cNvPr id="44" name="Rectangle 43">
             <a:extLst>
               <a:ext uri="{FF2B5EF4-FFF2-40B4-BE49-F238E27FC236}">
                 <a16:creationId xmlns:a16="http://schemas.microsoft.com/office/drawing/2014/main" id="{C1B8B957-103B-4B65-AA41-323716CC46FD}"/>
@@ -8374,788 +9202,6 @@
             <a:r>
               <a:rPr lang="en-US" sz="1600"/>
               <a:t>Word Kana Form</a:t>
-            </a:r>
-          </a:p>
-        </p:txBody>
-      </p:sp>
-      <p:sp>
-        <p:nvSpPr>
-          <p:cNvPr id="38" name="Rectangle 37">
-            <a:extLst>
-              <a:ext uri="{FF2B5EF4-FFF2-40B4-BE49-F238E27FC236}">
-                <a16:creationId xmlns:a16="http://schemas.microsoft.com/office/drawing/2014/main" id="{9B65D5A1-F3C0-9911-97A7-32B839EFAB65}"/>
-              </a:ext>
-            </a:extLst>
-          </p:cNvPr>
-          <p:cNvSpPr/>
-          <p:nvPr/>
-        </p:nvSpPr>
-        <p:spPr>
-          <a:xfrm>
-            <a:off x="8045550" y="2319218"/>
-            <a:ext cx="2790092" cy="3634154"/>
-          </a:xfrm>
-          <a:prstGeom prst="rect">
-            <a:avLst/>
-          </a:prstGeom>
-        </p:spPr>
-        <p:style>
-          <a:lnRef idx="2">
-            <a:schemeClr val="accent6"/>
-          </a:lnRef>
-          <a:fillRef idx="1">
-            <a:schemeClr val="lt1"/>
-          </a:fillRef>
-          <a:effectRef idx="0">
-            <a:schemeClr val="accent6"/>
-          </a:effectRef>
-          <a:fontRef idx="minor">
-            <a:schemeClr val="dk1"/>
-          </a:fontRef>
-        </p:style>
-        <p:txBody>
-          <a:bodyPr rtlCol="0" anchor="ctr"/>
-          <a:lstStyle/>
-          <a:p>
-            <a:pPr algn="ctr"/>
-            <a:endParaRPr lang="en-US"/>
-          </a:p>
-        </p:txBody>
-      </p:sp>
-      <p:sp>
-        <p:nvSpPr>
-          <p:cNvPr id="39" name="Rectangle 38">
-            <a:extLst>
-              <a:ext uri="{FF2B5EF4-FFF2-40B4-BE49-F238E27FC236}">
-                <a16:creationId xmlns:a16="http://schemas.microsoft.com/office/drawing/2014/main" id="{0186EF85-E0CA-DD21-4062-B5C4B117BD8C}"/>
-              </a:ext>
-            </a:extLst>
-          </p:cNvPr>
-          <p:cNvSpPr/>
-          <p:nvPr/>
-        </p:nvSpPr>
-        <p:spPr>
-          <a:xfrm>
-            <a:off x="8157503" y="2664531"/>
-            <a:ext cx="1067352" cy="237329"/>
-          </a:xfrm>
-          <a:prstGeom prst="rect">
-            <a:avLst/>
-          </a:prstGeom>
-          <a:ln>
-            <a:prstDash val="solid"/>
-          </a:ln>
-        </p:spPr>
-        <p:style>
-          <a:lnRef idx="2">
-            <a:schemeClr val="accent6"/>
-          </a:lnRef>
-          <a:fillRef idx="1">
-            <a:schemeClr val="lt1"/>
-          </a:fillRef>
-          <a:effectRef idx="0">
-            <a:schemeClr val="accent6"/>
-          </a:effectRef>
-          <a:fontRef idx="minor">
-            <a:schemeClr val="dk1"/>
-          </a:fontRef>
-        </p:style>
-        <p:txBody>
-          <a:bodyPr rtlCol="0" anchor="ctr"/>
-          <a:lstStyle/>
-          <a:p>
-            <a:pPr algn="ctr"/>
-            <a:r>
-              <a:rPr lang="en-US" altLang="ja-JP" sz="1200" dirty="0"/>
-              <a:t>Kanji</a:t>
-            </a:r>
-            <a:r>
-              <a:rPr lang="ja-JP" altLang="en-US" sz="1200" dirty="0"/>
-              <a:t> </a:t>
-            </a:r>
-            <a:r>
-              <a:rPr lang="en-US" altLang="ja-JP" sz="1200" dirty="0"/>
-              <a:t>Form</a:t>
-            </a:r>
-            <a:endParaRPr lang="en-US" sz="1200" dirty="0"/>
-          </a:p>
-        </p:txBody>
-      </p:sp>
-      <p:sp>
-        <p:nvSpPr>
-          <p:cNvPr id="41" name="Rectangle 40">
-            <a:extLst>
-              <a:ext uri="{FF2B5EF4-FFF2-40B4-BE49-F238E27FC236}">
-                <a16:creationId xmlns:a16="http://schemas.microsoft.com/office/drawing/2014/main" id="{12779847-4B91-657E-6FE2-7DAECD82A546}"/>
-              </a:ext>
-            </a:extLst>
-          </p:cNvPr>
-          <p:cNvSpPr/>
-          <p:nvPr/>
-        </p:nvSpPr>
-        <p:spPr>
-          <a:xfrm>
-            <a:off x="8157503" y="2967657"/>
-            <a:ext cx="1067352" cy="237329"/>
-          </a:xfrm>
-          <a:prstGeom prst="rect">
-            <a:avLst/>
-          </a:prstGeom>
-          <a:ln>
-            <a:prstDash val="solid"/>
-          </a:ln>
-        </p:spPr>
-        <p:style>
-          <a:lnRef idx="2">
-            <a:schemeClr val="accent6"/>
-          </a:lnRef>
-          <a:fillRef idx="1">
-            <a:schemeClr val="lt1"/>
-          </a:fillRef>
-          <a:effectRef idx="0">
-            <a:schemeClr val="accent6"/>
-          </a:effectRef>
-          <a:fontRef idx="minor">
-            <a:schemeClr val="dk1"/>
-          </a:fontRef>
-        </p:style>
-        <p:txBody>
-          <a:bodyPr rtlCol="0" anchor="ctr"/>
-          <a:lstStyle/>
-          <a:p>
-            <a:pPr algn="ctr"/>
-            <a:r>
-              <a:rPr lang="en-US" altLang="ja-JP" sz="1200" dirty="0"/>
-              <a:t>Kana</a:t>
-            </a:r>
-            <a:r>
-              <a:rPr lang="ja-JP" altLang="en-US" sz="1200" dirty="0"/>
-              <a:t> </a:t>
-            </a:r>
-            <a:r>
-              <a:rPr lang="en-US" altLang="ja-JP" sz="1200" dirty="0"/>
-              <a:t>Form</a:t>
-            </a:r>
-            <a:endParaRPr lang="en-US" sz="1200" dirty="0"/>
-          </a:p>
-        </p:txBody>
-      </p:sp>
-      <p:sp>
-        <p:nvSpPr>
-          <p:cNvPr id="43" name="Rectangle 42">
-            <a:extLst>
-              <a:ext uri="{FF2B5EF4-FFF2-40B4-BE49-F238E27FC236}">
-                <a16:creationId xmlns:a16="http://schemas.microsoft.com/office/drawing/2014/main" id="{793B9766-3027-AC4A-A4B5-D797FA1546FB}"/>
-              </a:ext>
-            </a:extLst>
-          </p:cNvPr>
-          <p:cNvSpPr/>
-          <p:nvPr/>
-        </p:nvSpPr>
-        <p:spPr>
-          <a:xfrm>
-            <a:off x="8160151" y="3290610"/>
-            <a:ext cx="1633014" cy="237328"/>
-          </a:xfrm>
-          <a:prstGeom prst="rect">
-            <a:avLst/>
-          </a:prstGeom>
-          <a:ln>
-            <a:prstDash val="dash"/>
-          </a:ln>
-        </p:spPr>
-        <p:style>
-          <a:lnRef idx="2">
-            <a:schemeClr val="accent6"/>
-          </a:lnRef>
-          <a:fillRef idx="1">
-            <a:schemeClr val="lt1"/>
-          </a:fillRef>
-          <a:effectRef idx="0">
-            <a:schemeClr val="accent6"/>
-          </a:effectRef>
-          <a:fontRef idx="minor">
-            <a:schemeClr val="dk1"/>
-          </a:fontRef>
-        </p:style>
-        <p:txBody>
-          <a:bodyPr rtlCol="0" anchor="ctr"/>
-          <a:lstStyle/>
-          <a:p>
-            <a:pPr algn="ctr"/>
-            <a:r>
-              <a:rPr lang="en-US" altLang="ja-JP" sz="1200"/>
-              <a:t>Definitions</a:t>
-            </a:r>
-            <a:r>
-              <a:rPr lang="ja-JP" altLang="en-US" sz="1200"/>
-              <a:t> </a:t>
-            </a:r>
-            <a:r>
-              <a:rPr lang="en-US" altLang="ja-JP" sz="1200"/>
-              <a:t>label</a:t>
-            </a:r>
-            <a:endParaRPr lang="en-US" sz="1200"/>
-          </a:p>
-        </p:txBody>
-      </p:sp>
-      <p:sp>
-        <p:nvSpPr>
-          <p:cNvPr id="45" name="Rectangle 44">
-            <a:extLst>
-              <a:ext uri="{FF2B5EF4-FFF2-40B4-BE49-F238E27FC236}">
-                <a16:creationId xmlns:a16="http://schemas.microsoft.com/office/drawing/2014/main" id="{9C75A735-3C09-8C6E-3731-29BCE1635C07}"/>
-              </a:ext>
-            </a:extLst>
-          </p:cNvPr>
-          <p:cNvSpPr/>
-          <p:nvPr/>
-        </p:nvSpPr>
-        <p:spPr>
-          <a:xfrm>
-            <a:off x="9715934" y="2344678"/>
-            <a:ext cx="1097853" cy="267918"/>
-          </a:xfrm>
-          <a:prstGeom prst="rect">
-            <a:avLst/>
-          </a:prstGeom>
-        </p:spPr>
-        <p:style>
-          <a:lnRef idx="2">
-            <a:schemeClr val="accent6"/>
-          </a:lnRef>
-          <a:fillRef idx="1">
-            <a:schemeClr val="lt1"/>
-          </a:fillRef>
-          <a:effectRef idx="0">
-            <a:schemeClr val="accent6"/>
-          </a:effectRef>
-          <a:fontRef idx="minor">
-            <a:schemeClr val="dk1"/>
-          </a:fontRef>
-        </p:style>
-        <p:txBody>
-          <a:bodyPr rtlCol="0" anchor="ctr"/>
-          <a:lstStyle/>
-          <a:p>
-            <a:pPr algn="ctr"/>
-            <a:r>
-              <a:rPr lang="en-US" altLang="ja-JP" sz="1000" dirty="0"/>
-              <a:t>Edit-Word Button</a:t>
-            </a:r>
-            <a:endParaRPr lang="en-US" sz="1000" dirty="0"/>
-          </a:p>
-        </p:txBody>
-      </p:sp>
-      <p:sp>
-        <p:nvSpPr>
-          <p:cNvPr id="50" name="Rectangle 49">
-            <a:extLst>
-              <a:ext uri="{FF2B5EF4-FFF2-40B4-BE49-F238E27FC236}">
-                <a16:creationId xmlns:a16="http://schemas.microsoft.com/office/drawing/2014/main" id="{66420F45-B592-31C9-DF60-2A88D0B56EE1}"/>
-              </a:ext>
-            </a:extLst>
-          </p:cNvPr>
-          <p:cNvSpPr/>
-          <p:nvPr/>
-        </p:nvSpPr>
-        <p:spPr>
-          <a:xfrm>
-            <a:off x="8128741" y="4529726"/>
-            <a:ext cx="1664424" cy="252021"/>
-          </a:xfrm>
-          <a:prstGeom prst="rect">
-            <a:avLst/>
-          </a:prstGeom>
-          <a:ln>
-            <a:prstDash val="dash"/>
-          </a:ln>
-        </p:spPr>
-        <p:style>
-          <a:lnRef idx="2">
-            <a:schemeClr val="accent6"/>
-          </a:lnRef>
-          <a:fillRef idx="1">
-            <a:schemeClr val="lt1"/>
-          </a:fillRef>
-          <a:effectRef idx="0">
-            <a:schemeClr val="accent6"/>
-          </a:effectRef>
-          <a:fontRef idx="minor">
-            <a:schemeClr val="dk1"/>
-          </a:fontRef>
-        </p:style>
-        <p:txBody>
-          <a:bodyPr rtlCol="0" anchor="ctr"/>
-          <a:lstStyle/>
-          <a:p>
-            <a:pPr algn="ctr"/>
-            <a:r>
-              <a:rPr lang="en-US" altLang="ja-JP" sz="1200" dirty="0"/>
-              <a:t>Groups</a:t>
-            </a:r>
-            <a:r>
-              <a:rPr lang="ja-JP" altLang="en-US" sz="1200" dirty="0"/>
-              <a:t> </a:t>
-            </a:r>
-            <a:r>
-              <a:rPr lang="en-US" altLang="ja-JP" sz="1200" dirty="0"/>
-              <a:t>label</a:t>
-            </a:r>
-            <a:endParaRPr lang="en-US" sz="1200" dirty="0"/>
-          </a:p>
-        </p:txBody>
-      </p:sp>
-      <p:sp>
-        <p:nvSpPr>
-          <p:cNvPr id="55" name="TextBox 54">
-            <a:extLst>
-              <a:ext uri="{FF2B5EF4-FFF2-40B4-BE49-F238E27FC236}">
-                <a16:creationId xmlns:a16="http://schemas.microsoft.com/office/drawing/2014/main" id="{71D5FB07-6E61-C4DE-FB8C-0577A997E7EC}"/>
-              </a:ext>
-            </a:extLst>
-          </p:cNvPr>
-          <p:cNvSpPr txBox="1"/>
-          <p:nvPr/>
-        </p:nvSpPr>
-        <p:spPr>
-          <a:xfrm>
-            <a:off x="8254435" y="1951742"/>
-            <a:ext cx="2418360" cy="369332"/>
-          </a:xfrm>
-          <a:prstGeom prst="rect">
-            <a:avLst/>
-          </a:prstGeom>
-          <a:noFill/>
-        </p:spPr>
-        <p:txBody>
-          <a:bodyPr wrap="square" rtlCol="0">
-            <a:spAutoFit/>
-          </a:bodyPr>
-          <a:lstStyle/>
-          <a:p>
-            <a:pPr algn="ctr"/>
-            <a:r>
-              <a:rPr lang="en-US" dirty="0"/>
-              <a:t>Word Details Page</a:t>
-            </a:r>
-          </a:p>
-        </p:txBody>
-      </p:sp>
-      <p:sp>
-        <p:nvSpPr>
-          <p:cNvPr id="59" name="Rectangle 58">
-            <a:extLst>
-              <a:ext uri="{FF2B5EF4-FFF2-40B4-BE49-F238E27FC236}">
-                <a16:creationId xmlns:a16="http://schemas.microsoft.com/office/drawing/2014/main" id="{13AB5C05-82CF-9F37-FEC5-9A76319E658F}"/>
-              </a:ext>
-            </a:extLst>
-          </p:cNvPr>
-          <p:cNvSpPr/>
-          <p:nvPr/>
-        </p:nvSpPr>
-        <p:spPr>
-          <a:xfrm>
-            <a:off x="8124500" y="3576028"/>
-            <a:ext cx="2641038" cy="885155"/>
-          </a:xfrm>
-          <a:prstGeom prst="rect">
-            <a:avLst/>
-          </a:prstGeom>
-        </p:spPr>
-        <p:style>
-          <a:lnRef idx="2">
-            <a:schemeClr val="accent6"/>
-          </a:lnRef>
-          <a:fillRef idx="1">
-            <a:schemeClr val="lt1"/>
-          </a:fillRef>
-          <a:effectRef idx="0">
-            <a:schemeClr val="accent6"/>
-          </a:effectRef>
-          <a:fontRef idx="minor">
-            <a:schemeClr val="dk1"/>
-          </a:fontRef>
-        </p:style>
-        <p:txBody>
-          <a:bodyPr rtlCol="0" anchor="ctr"/>
-          <a:lstStyle/>
-          <a:p>
-            <a:pPr algn="ctr"/>
-            <a:endParaRPr lang="en-US" sz="1200" dirty="0"/>
-          </a:p>
-        </p:txBody>
-      </p:sp>
-      <p:sp>
-        <p:nvSpPr>
-          <p:cNvPr id="60" name="Rectangle 59">
-            <a:extLst>
-              <a:ext uri="{FF2B5EF4-FFF2-40B4-BE49-F238E27FC236}">
-                <a16:creationId xmlns:a16="http://schemas.microsoft.com/office/drawing/2014/main" id="{26EE84A5-8D73-A244-7013-8BA4FEC43361}"/>
-              </a:ext>
-            </a:extLst>
-          </p:cNvPr>
-          <p:cNvSpPr/>
-          <p:nvPr/>
-        </p:nvSpPr>
-        <p:spPr>
-          <a:xfrm>
-            <a:off x="8178640" y="3759142"/>
-            <a:ext cx="2468371" cy="253808"/>
-          </a:xfrm>
-          <a:prstGeom prst="rect">
-            <a:avLst/>
-          </a:prstGeom>
-        </p:spPr>
-        <p:style>
-          <a:lnRef idx="2">
-            <a:schemeClr val="accent6"/>
-          </a:lnRef>
-          <a:fillRef idx="1">
-            <a:schemeClr val="lt1"/>
-          </a:fillRef>
-          <a:effectRef idx="0">
-            <a:schemeClr val="accent6"/>
-          </a:effectRef>
-          <a:fontRef idx="minor">
-            <a:schemeClr val="dk1"/>
-          </a:fontRef>
-        </p:style>
-        <p:txBody>
-          <a:bodyPr rtlCol="0" anchor="ctr"/>
-          <a:lstStyle/>
-          <a:p>
-            <a:r>
-              <a:rPr lang="en-US" sz="1200" dirty="0"/>
-              <a:t>Definition Text</a:t>
-            </a:r>
-          </a:p>
-        </p:txBody>
-      </p:sp>
-      <p:sp>
-        <p:nvSpPr>
-          <p:cNvPr id="62" name="TextBox 61">
-            <a:extLst>
-              <a:ext uri="{FF2B5EF4-FFF2-40B4-BE49-F238E27FC236}">
-                <a16:creationId xmlns:a16="http://schemas.microsoft.com/office/drawing/2014/main" id="{84142EAF-E8AE-FE56-95E8-9311116B2D09}"/>
-              </a:ext>
-            </a:extLst>
-          </p:cNvPr>
-          <p:cNvSpPr txBox="1"/>
-          <p:nvPr/>
-        </p:nvSpPr>
-        <p:spPr>
-          <a:xfrm>
-            <a:off x="9199071" y="4190550"/>
-            <a:ext cx="477520" cy="276999"/>
-          </a:xfrm>
-          <a:prstGeom prst="rect">
-            <a:avLst/>
-          </a:prstGeom>
-          <a:noFill/>
-        </p:spPr>
-        <p:txBody>
-          <a:bodyPr wrap="square" rtlCol="0">
-            <a:spAutoFit/>
-          </a:bodyPr>
-          <a:lstStyle/>
-          <a:p>
-            <a:pPr algn="ctr"/>
-            <a:r>
-              <a:rPr lang="en-US" sz="1200" b="1" dirty="0"/>
-              <a:t>…</a:t>
-            </a:r>
-          </a:p>
-        </p:txBody>
-      </p:sp>
-      <p:sp>
-        <p:nvSpPr>
-          <p:cNvPr id="63" name="TextBox 62">
-            <a:extLst>
-              <a:ext uri="{FF2B5EF4-FFF2-40B4-BE49-F238E27FC236}">
-                <a16:creationId xmlns:a16="http://schemas.microsoft.com/office/drawing/2014/main" id="{88DD49E3-ABC6-F074-11C2-2E1BAB49A565}"/>
-              </a:ext>
-            </a:extLst>
-          </p:cNvPr>
-          <p:cNvSpPr txBox="1"/>
-          <p:nvPr/>
-        </p:nvSpPr>
-        <p:spPr>
-          <a:xfrm>
-            <a:off x="8773687" y="3543370"/>
-            <a:ext cx="1342663" cy="276999"/>
-          </a:xfrm>
-          <a:prstGeom prst="rect">
-            <a:avLst/>
-          </a:prstGeom>
-          <a:noFill/>
-        </p:spPr>
-        <p:txBody>
-          <a:bodyPr wrap="square" rtlCol="0">
-            <a:spAutoFit/>
-          </a:bodyPr>
-          <a:lstStyle/>
-          <a:p>
-            <a:pPr algn="ctr"/>
-            <a:r>
-              <a:rPr lang="en-US" altLang="ja-JP" sz="1200" dirty="0"/>
-              <a:t>Definitions List</a:t>
-            </a:r>
-            <a:endParaRPr lang="en-US" sz="1200" dirty="0"/>
-          </a:p>
-        </p:txBody>
-      </p:sp>
-      <p:sp>
-        <p:nvSpPr>
-          <p:cNvPr id="64" name="Rectangle 63">
-            <a:extLst>
-              <a:ext uri="{FF2B5EF4-FFF2-40B4-BE49-F238E27FC236}">
-                <a16:creationId xmlns:a16="http://schemas.microsoft.com/office/drawing/2014/main" id="{0622A000-D083-FCB5-FDE8-E408C1B6DE1C}"/>
-              </a:ext>
-            </a:extLst>
-          </p:cNvPr>
-          <p:cNvSpPr/>
-          <p:nvPr/>
-        </p:nvSpPr>
-        <p:spPr>
-          <a:xfrm>
-            <a:off x="8178640" y="4048630"/>
-            <a:ext cx="2468371" cy="253808"/>
-          </a:xfrm>
-          <a:prstGeom prst="rect">
-            <a:avLst/>
-          </a:prstGeom>
-        </p:spPr>
-        <p:style>
-          <a:lnRef idx="2">
-            <a:schemeClr val="accent6"/>
-          </a:lnRef>
-          <a:fillRef idx="1">
-            <a:schemeClr val="lt1"/>
-          </a:fillRef>
-          <a:effectRef idx="0">
-            <a:schemeClr val="accent6"/>
-          </a:effectRef>
-          <a:fontRef idx="minor">
-            <a:schemeClr val="dk1"/>
-          </a:fontRef>
-        </p:style>
-        <p:txBody>
-          <a:bodyPr rtlCol="0" anchor="ctr"/>
-          <a:lstStyle/>
-          <a:p>
-            <a:r>
-              <a:rPr lang="en-US" sz="1200" dirty="0"/>
-              <a:t>Definition Text</a:t>
-            </a:r>
-          </a:p>
-        </p:txBody>
-      </p:sp>
-      <p:sp>
-        <p:nvSpPr>
-          <p:cNvPr id="65" name="Rectangle 64">
-            <a:extLst>
-              <a:ext uri="{FF2B5EF4-FFF2-40B4-BE49-F238E27FC236}">
-                <a16:creationId xmlns:a16="http://schemas.microsoft.com/office/drawing/2014/main" id="{692D9C7A-E522-9CA3-6F24-B9FC8EB11266}"/>
-              </a:ext>
-            </a:extLst>
-          </p:cNvPr>
-          <p:cNvSpPr/>
-          <p:nvPr/>
-        </p:nvSpPr>
-        <p:spPr>
-          <a:xfrm>
-            <a:off x="8124500" y="4907849"/>
-            <a:ext cx="2641038" cy="885155"/>
-          </a:xfrm>
-          <a:prstGeom prst="rect">
-            <a:avLst/>
-          </a:prstGeom>
-        </p:spPr>
-        <p:style>
-          <a:lnRef idx="2">
-            <a:schemeClr val="accent6"/>
-          </a:lnRef>
-          <a:fillRef idx="1">
-            <a:schemeClr val="lt1"/>
-          </a:fillRef>
-          <a:effectRef idx="0">
-            <a:schemeClr val="accent6"/>
-          </a:effectRef>
-          <a:fontRef idx="minor">
-            <a:schemeClr val="dk1"/>
-          </a:fontRef>
-        </p:style>
-        <p:txBody>
-          <a:bodyPr rtlCol="0" anchor="ctr"/>
-          <a:lstStyle/>
-          <a:p>
-            <a:pPr algn="ctr"/>
-            <a:endParaRPr lang="en-US" sz="1200" dirty="0"/>
-          </a:p>
-        </p:txBody>
-      </p:sp>
-      <p:sp>
-        <p:nvSpPr>
-          <p:cNvPr id="66" name="Rectangle 65">
-            <a:extLst>
-              <a:ext uri="{FF2B5EF4-FFF2-40B4-BE49-F238E27FC236}">
-                <a16:creationId xmlns:a16="http://schemas.microsoft.com/office/drawing/2014/main" id="{39D8904E-044F-1A59-C349-D468E7C5350A}"/>
-              </a:ext>
-            </a:extLst>
-          </p:cNvPr>
-          <p:cNvSpPr/>
-          <p:nvPr/>
-        </p:nvSpPr>
-        <p:spPr>
-          <a:xfrm>
-            <a:off x="8178640" y="5090963"/>
-            <a:ext cx="2468371" cy="253808"/>
-          </a:xfrm>
-          <a:prstGeom prst="rect">
-            <a:avLst/>
-          </a:prstGeom>
-        </p:spPr>
-        <p:style>
-          <a:lnRef idx="2">
-            <a:schemeClr val="accent6"/>
-          </a:lnRef>
-          <a:fillRef idx="1">
-            <a:schemeClr val="lt1"/>
-          </a:fillRef>
-          <a:effectRef idx="0">
-            <a:schemeClr val="accent6"/>
-          </a:effectRef>
-          <a:fontRef idx="minor">
-            <a:schemeClr val="dk1"/>
-          </a:fontRef>
-        </p:style>
-        <p:txBody>
-          <a:bodyPr rtlCol="0" anchor="ctr"/>
-          <a:lstStyle/>
-          <a:p>
-            <a:r>
-              <a:rPr lang="en-US" sz="1200" dirty="0"/>
-              <a:t>Group Name</a:t>
-            </a:r>
-          </a:p>
-        </p:txBody>
-      </p:sp>
-      <p:sp>
-        <p:nvSpPr>
-          <p:cNvPr id="67" name="TextBox 66">
-            <a:extLst>
-              <a:ext uri="{FF2B5EF4-FFF2-40B4-BE49-F238E27FC236}">
-                <a16:creationId xmlns:a16="http://schemas.microsoft.com/office/drawing/2014/main" id="{1DB09B84-9BF2-A81F-9123-C192311D9867}"/>
-              </a:ext>
-            </a:extLst>
-          </p:cNvPr>
-          <p:cNvSpPr txBox="1"/>
-          <p:nvPr/>
-        </p:nvSpPr>
-        <p:spPr>
-          <a:xfrm>
-            <a:off x="9199071" y="5522371"/>
-            <a:ext cx="477520" cy="276999"/>
-          </a:xfrm>
-          <a:prstGeom prst="rect">
-            <a:avLst/>
-          </a:prstGeom>
-          <a:noFill/>
-        </p:spPr>
-        <p:txBody>
-          <a:bodyPr wrap="square" rtlCol="0">
-            <a:spAutoFit/>
-          </a:bodyPr>
-          <a:lstStyle/>
-          <a:p>
-            <a:pPr algn="ctr"/>
-            <a:r>
-              <a:rPr lang="en-US" sz="1200" b="1" dirty="0"/>
-              <a:t>…</a:t>
-            </a:r>
-          </a:p>
-        </p:txBody>
-      </p:sp>
-      <p:sp>
-        <p:nvSpPr>
-          <p:cNvPr id="68" name="TextBox 67">
-            <a:extLst>
-              <a:ext uri="{FF2B5EF4-FFF2-40B4-BE49-F238E27FC236}">
-                <a16:creationId xmlns:a16="http://schemas.microsoft.com/office/drawing/2014/main" id="{9FE42679-D1A1-DDAD-FDE6-ACE1EC788712}"/>
-              </a:ext>
-            </a:extLst>
-          </p:cNvPr>
-          <p:cNvSpPr txBox="1"/>
-          <p:nvPr/>
-        </p:nvSpPr>
-        <p:spPr>
-          <a:xfrm>
-            <a:off x="8773687" y="4875191"/>
-            <a:ext cx="1342663" cy="276999"/>
-          </a:xfrm>
-          <a:prstGeom prst="rect">
-            <a:avLst/>
-          </a:prstGeom>
-          <a:noFill/>
-        </p:spPr>
-        <p:txBody>
-          <a:bodyPr wrap="square" rtlCol="0">
-            <a:spAutoFit/>
-          </a:bodyPr>
-          <a:lstStyle/>
-          <a:p>
-            <a:pPr algn="ctr"/>
-            <a:r>
-              <a:rPr lang="en-US" altLang="ja-JP" sz="1200" dirty="0"/>
-              <a:t>Groups List</a:t>
-            </a:r>
-            <a:endParaRPr lang="en-US" sz="1200" dirty="0"/>
-          </a:p>
-        </p:txBody>
-      </p:sp>
-      <p:sp>
-        <p:nvSpPr>
-          <p:cNvPr id="69" name="Rectangle 68">
-            <a:extLst>
-              <a:ext uri="{FF2B5EF4-FFF2-40B4-BE49-F238E27FC236}">
-                <a16:creationId xmlns:a16="http://schemas.microsoft.com/office/drawing/2014/main" id="{26C3CBE7-407F-355D-3295-C0C206AEA62A}"/>
-              </a:ext>
-            </a:extLst>
-          </p:cNvPr>
-          <p:cNvSpPr/>
-          <p:nvPr/>
-        </p:nvSpPr>
-        <p:spPr>
-          <a:xfrm>
-            <a:off x="8178640" y="5380451"/>
-            <a:ext cx="2468371" cy="253808"/>
-          </a:xfrm>
-          <a:prstGeom prst="rect">
-            <a:avLst/>
-          </a:prstGeom>
-        </p:spPr>
-        <p:style>
-          <a:lnRef idx="2">
-            <a:schemeClr val="accent6"/>
-          </a:lnRef>
-          <a:fillRef idx="1">
-            <a:schemeClr val="lt1"/>
-          </a:fillRef>
-          <a:effectRef idx="0">
-            <a:schemeClr val="accent6"/>
-          </a:effectRef>
-          <a:fontRef idx="minor">
-            <a:schemeClr val="dk1"/>
-          </a:fontRef>
-        </p:style>
-        <p:txBody>
-          <a:bodyPr rtlCol="0" anchor="ctr"/>
-          <a:lstStyle/>
-          <a:p>
-            <a:r>
-              <a:rPr lang="en-US" sz="1200" dirty="0"/>
-              <a:t>Group Name</a:t>
             </a:r>
           </a:p>
         </p:txBody>

--- a/SpringSlideDeck.pptx
+++ b/SpringSlideDeck.pptx
@@ -208,7 +208,7 @@
           <a:p>
             <a:fld id="{C6611962-81CE-4AA7-8264-984BD85B0C67}" type="datetimeFigureOut">
               <a:rPr lang="en-US" smtClean="0"/>
-              <a:t>3/23/2024</a:t>
+              <a:t>3/26/2024</a:t>
             </a:fld>
             <a:endParaRPr lang="en-US"/>
           </a:p>
@@ -806,12 +806,6 @@
           <a:p>
             <a:r>
               <a:rPr lang="en-US" dirty="0"/>
-              <a:t>-Buttons swallowing slide input as presses</a:t>
-            </a:r>
-          </a:p>
-          <a:p>
-            <a:r>
-              <a:rPr lang="en-US" dirty="0"/>
               <a:t>-Made a modification on prefix sort, where the final character of the saved word would be dropped in the filter step</a:t>
             </a:r>
           </a:p>
@@ -1000,7 +994,7 @@
           <a:p>
             <a:fld id="{D5D13250-15FC-4A8E-969C-CCAEF0623622}" type="datetimeFigureOut">
               <a:rPr lang="en-US" smtClean="0"/>
-              <a:t>3/23/2024</a:t>
+              <a:t>3/26/2024</a:t>
             </a:fld>
             <a:endParaRPr lang="en-US"/>
           </a:p>
@@ -1198,7 +1192,7 @@
           <a:p>
             <a:fld id="{D5D13250-15FC-4A8E-969C-CCAEF0623622}" type="datetimeFigureOut">
               <a:rPr lang="en-US" smtClean="0"/>
-              <a:t>3/23/2024</a:t>
+              <a:t>3/26/2024</a:t>
             </a:fld>
             <a:endParaRPr lang="en-US"/>
           </a:p>
@@ -1406,7 +1400,7 @@
           <a:p>
             <a:fld id="{D5D13250-15FC-4A8E-969C-CCAEF0623622}" type="datetimeFigureOut">
               <a:rPr lang="en-US" smtClean="0"/>
-              <a:t>3/23/2024</a:t>
+              <a:t>3/26/2024</a:t>
             </a:fld>
             <a:endParaRPr lang="en-US"/>
           </a:p>
@@ -1604,7 +1598,7 @@
           <a:p>
             <a:fld id="{D5D13250-15FC-4A8E-969C-CCAEF0623622}" type="datetimeFigureOut">
               <a:rPr lang="en-US" smtClean="0"/>
-              <a:t>3/23/2024</a:t>
+              <a:t>3/26/2024</a:t>
             </a:fld>
             <a:endParaRPr lang="en-US"/>
           </a:p>
@@ -1879,7 +1873,7 @@
           <a:p>
             <a:fld id="{D5D13250-15FC-4A8E-969C-CCAEF0623622}" type="datetimeFigureOut">
               <a:rPr lang="en-US" smtClean="0"/>
-              <a:t>3/23/2024</a:t>
+              <a:t>3/26/2024</a:t>
             </a:fld>
             <a:endParaRPr lang="en-US"/>
           </a:p>
@@ -2144,7 +2138,7 @@
           <a:p>
             <a:fld id="{D5D13250-15FC-4A8E-969C-CCAEF0623622}" type="datetimeFigureOut">
               <a:rPr lang="en-US" smtClean="0"/>
-              <a:t>3/23/2024</a:t>
+              <a:t>3/26/2024</a:t>
             </a:fld>
             <a:endParaRPr lang="en-US"/>
           </a:p>
@@ -2556,7 +2550,7 @@
           <a:p>
             <a:fld id="{D5D13250-15FC-4A8E-969C-CCAEF0623622}" type="datetimeFigureOut">
               <a:rPr lang="en-US" smtClean="0"/>
-              <a:t>3/23/2024</a:t>
+              <a:t>3/26/2024</a:t>
             </a:fld>
             <a:endParaRPr lang="en-US"/>
           </a:p>
@@ -2697,7 +2691,7 @@
           <a:p>
             <a:fld id="{D5D13250-15FC-4A8E-969C-CCAEF0623622}" type="datetimeFigureOut">
               <a:rPr lang="en-US" smtClean="0"/>
-              <a:t>3/23/2024</a:t>
+              <a:t>3/26/2024</a:t>
             </a:fld>
             <a:endParaRPr lang="en-US"/>
           </a:p>
@@ -2810,7 +2804,7 @@
           <a:p>
             <a:fld id="{D5D13250-15FC-4A8E-969C-CCAEF0623622}" type="datetimeFigureOut">
               <a:rPr lang="en-US" smtClean="0"/>
-              <a:t>3/23/2024</a:t>
+              <a:t>3/26/2024</a:t>
             </a:fld>
             <a:endParaRPr lang="en-US"/>
           </a:p>
@@ -3121,7 +3115,7 @@
           <a:p>
             <a:fld id="{D5D13250-15FC-4A8E-969C-CCAEF0623622}" type="datetimeFigureOut">
               <a:rPr lang="en-US" smtClean="0"/>
-              <a:t>3/23/2024</a:t>
+              <a:t>3/26/2024</a:t>
             </a:fld>
             <a:endParaRPr lang="en-US"/>
           </a:p>
@@ -3409,7 +3403,7 @@
           <a:p>
             <a:fld id="{D5D13250-15FC-4A8E-969C-CCAEF0623622}" type="datetimeFigureOut">
               <a:rPr lang="en-US" smtClean="0"/>
-              <a:t>3/23/2024</a:t>
+              <a:t>3/26/2024</a:t>
             </a:fld>
             <a:endParaRPr lang="en-US"/>
           </a:p>
@@ -3650,7 +3644,7 @@
           <a:p>
             <a:fld id="{D5D13250-15FC-4A8E-969C-CCAEF0623622}" type="datetimeFigureOut">
               <a:rPr lang="en-US" smtClean="0"/>
-              <a:t>3/23/2024</a:t>
+              <a:t>3/26/2024</a:t>
             </a:fld>
             <a:endParaRPr lang="en-US"/>
           </a:p>
@@ -4449,15 +4443,7 @@
           <a:p>
             <a:r>
               <a:rPr lang="en-US" dirty="0"/>
-              <a:t>Polish/bugfixing may continue up until the Expo, by which point the source code and </a:t>
-            </a:r>
-            <a:r>
-              <a:rPr lang="en-US" dirty="0" err="1"/>
-              <a:t>apk</a:t>
-            </a:r>
-            <a:r>
-              <a:rPr lang="en-US" dirty="0"/>
-              <a:t> will be uploaded to the project repo</a:t>
+              <a:t>An android APK has been uploaded to Dropbox with a link from the GitHub repository</a:t>
             </a:r>
           </a:p>
           <a:p>
